--- a/ос.pptx
+++ b/ос.pptx
@@ -2,7 +2,7 @@
 <file path=ppt/presentation.xml><?xml version="1.0" encoding="utf-8"?>
 <p:presentation xmlns:a="http://schemas.openxmlformats.org/drawingml/2006/main" xmlns:r="http://schemas.openxmlformats.org/officeDocument/2006/relationships" xmlns:p="http://schemas.openxmlformats.org/presentationml/2006/main" saveSubsetFonts="1">
   <p:sldMasterIdLst>
-    <p:sldMasterId id="2147483648" r:id="rId1"/>
+    <p:sldMasterId id="2147483684" r:id="rId1"/>
   </p:sldMasterIdLst>
   <p:notesMasterIdLst>
     <p:notesMasterId r:id="rId12"/>
@@ -569,154 +569,263 @@
       </p:grpSpPr>
       <p:sp>
         <p:nvSpPr>
-          <p:cNvPr id="2" name="Заголовок 1"/>
-          <p:cNvSpPr>
-            <a:spLocks noGrp="1"/>
-          </p:cNvSpPr>
-          <p:nvPr>
-            <p:ph type="ctrTitle"/>
+          <p:cNvPr id="9" name="Подзаголовок 8"/>
+          <p:cNvSpPr>
+            <a:spLocks noGrp="1"/>
+          </p:cNvSpPr>
+          <p:nvPr>
+            <p:ph type="subTitle" idx="1"/>
           </p:nvPr>
         </p:nvSpPr>
         <p:spPr>
           <a:xfrm>
-            <a:off x="685800" y="2130425"/>
-            <a:ext cx="7772400" cy="1470025"/>
-          </a:xfrm>
-        </p:spPr>
-        <p:txBody>
-          <a:bodyPr/>
-          <a:lstStyle/>
-          <a:p>
-            <a:r>
-              <a:rPr lang="ru-RU" smtClean="0"/>
-              <a:t>Образец заголовка</a:t>
-            </a:r>
-            <a:endParaRPr lang="ru-RU"/>
-          </a:p>
-        </p:txBody>
-      </p:sp>
-      <p:sp>
-        <p:nvSpPr>
-          <p:cNvPr id="3" name="Подзаголовок 2"/>
-          <p:cNvSpPr>
-            <a:spLocks noGrp="1"/>
-          </p:cNvSpPr>
-          <p:nvPr>
-            <p:ph type="subTitle" idx="1"/>
-          </p:nvPr>
-        </p:nvSpPr>
-        <p:spPr>
-          <a:xfrm>
-            <a:off x="1371600" y="3886200"/>
-            <a:ext cx="6400800" cy="1752600"/>
-          </a:xfrm>
-        </p:spPr>
-        <p:txBody>
-          <a:bodyPr/>
+            <a:off x="457200" y="3699804"/>
+            <a:ext cx="8305800" cy="1143000"/>
+          </a:xfrm>
+        </p:spPr>
+        <p:txBody>
+          <a:bodyPr>
+            <a:noAutofit/>
+          </a:bodyPr>
           <a:lstStyle>
             <a:lvl1pPr marL="0" indent="0" algn="ctr">
               <a:buNone/>
-              <a:defRPr>
+              <a:defRPr sz="2200" spc="100" baseline="0">
                 <a:solidFill>
-                  <a:schemeClr val="tx1">
-                    <a:tint val="75000"/>
-                  </a:schemeClr>
+                  <a:schemeClr val="tx2"/>
                 </a:solidFill>
               </a:defRPr>
             </a:lvl1pPr>
             <a:lvl2pPr marL="457200" indent="0" algn="ctr">
               <a:buNone/>
-              <a:defRPr>
-                <a:solidFill>
-                  <a:schemeClr val="tx1">
-                    <a:tint val="75000"/>
-                  </a:schemeClr>
-                </a:solidFill>
-              </a:defRPr>
             </a:lvl2pPr>
             <a:lvl3pPr marL="914400" indent="0" algn="ctr">
               <a:buNone/>
-              <a:defRPr>
-                <a:solidFill>
-                  <a:schemeClr val="tx1">
-                    <a:tint val="75000"/>
-                  </a:schemeClr>
-                </a:solidFill>
-              </a:defRPr>
             </a:lvl3pPr>
             <a:lvl4pPr marL="1371600" indent="0" algn="ctr">
               <a:buNone/>
-              <a:defRPr>
-                <a:solidFill>
-                  <a:schemeClr val="tx1">
-                    <a:tint val="75000"/>
-                  </a:schemeClr>
-                </a:solidFill>
-              </a:defRPr>
             </a:lvl4pPr>
             <a:lvl5pPr marL="1828800" indent="0" algn="ctr">
               <a:buNone/>
-              <a:defRPr>
-                <a:solidFill>
-                  <a:schemeClr val="tx1">
-                    <a:tint val="75000"/>
-                  </a:schemeClr>
-                </a:solidFill>
-              </a:defRPr>
             </a:lvl5pPr>
             <a:lvl6pPr marL="2286000" indent="0" algn="ctr">
               <a:buNone/>
-              <a:defRPr>
-                <a:solidFill>
-                  <a:schemeClr val="tx1">
-                    <a:tint val="75000"/>
-                  </a:schemeClr>
-                </a:solidFill>
-              </a:defRPr>
             </a:lvl6pPr>
             <a:lvl7pPr marL="2743200" indent="0" algn="ctr">
               <a:buNone/>
-              <a:defRPr>
-                <a:solidFill>
-                  <a:schemeClr val="tx1">
-                    <a:tint val="75000"/>
-                  </a:schemeClr>
-                </a:solidFill>
-              </a:defRPr>
             </a:lvl7pPr>
             <a:lvl8pPr marL="3200400" indent="0" algn="ctr">
               <a:buNone/>
-              <a:defRPr>
-                <a:solidFill>
-                  <a:schemeClr val="tx1">
-                    <a:tint val="75000"/>
-                  </a:schemeClr>
-                </a:solidFill>
-              </a:defRPr>
             </a:lvl8pPr>
             <a:lvl9pPr marL="3657600" indent="0" algn="ctr">
               <a:buNone/>
-              <a:defRPr>
-                <a:solidFill>
-                  <a:schemeClr val="tx1">
-                    <a:tint val="75000"/>
-                  </a:schemeClr>
-                </a:solidFill>
-              </a:defRPr>
             </a:lvl9pPr>
           </a:lstStyle>
           <a:p>
             <a:r>
-              <a:rPr lang="ru-RU" smtClean="0"/>
+              <a:rPr kumimoji="0" lang="ru-RU" smtClean="0"/>
               <a:t>Образец подзаголовка</a:t>
             </a:r>
-            <a:endParaRPr lang="ru-RU"/>
-          </a:p>
-        </p:txBody>
-      </p:sp>
-      <p:sp>
-        <p:nvSpPr>
-          <p:cNvPr id="4" name="Дата 3"/>
+            <a:endParaRPr kumimoji="0" lang="en-US"/>
+          </a:p>
+        </p:txBody>
+      </p:sp>
+      <p:sp>
+        <p:nvSpPr>
+          <p:cNvPr id="28" name="Заголовок 27"/>
+          <p:cNvSpPr>
+            <a:spLocks noGrp="1"/>
+          </p:cNvSpPr>
+          <p:nvPr>
+            <p:ph type="ctrTitle"/>
+          </p:nvPr>
+        </p:nvSpPr>
+        <p:spPr>
+          <a:xfrm>
+            <a:off x="457200" y="1433732"/>
+            <a:ext cx="8305800" cy="1981200"/>
+          </a:xfrm>
+          <a:ln w="6350" cap="rnd">
+            <a:noFill/>
+          </a:ln>
+        </p:spPr>
+        <p:txBody>
+          <a:bodyPr anchor="b" anchorCtr="0">
+            <a:noAutofit/>
+          </a:bodyPr>
+          <a:lstStyle>
+            <a:lvl1pPr algn="ctr">
+              <a:defRPr lang="en-US" sz="4800" b="0" dirty="0">
+                <a:ln w="3200">
+                  <a:solidFill>
+                    <a:schemeClr val="bg2">
+                      <a:shade val="75000"/>
+                      <a:alpha val="25000"/>
+                    </a:schemeClr>
+                  </a:solidFill>
+                  <a:prstDash val="solid"/>
+                  <a:round/>
+                </a:ln>
+                <a:solidFill>
+                  <a:srgbClr val="F9F9F9"/>
+                </a:solidFill>
+                <a:effectLst>
+                  <a:innerShdw blurRad="50800" dist="25400" dir="13500000">
+                    <a:srgbClr val="000000">
+                      <a:alpha val="70000"/>
+                    </a:srgbClr>
+                  </a:innerShdw>
+                </a:effectLst>
+              </a:defRPr>
+            </a:lvl1pPr>
+          </a:lstStyle>
+          <a:p>
+            <a:r>
+              <a:rPr kumimoji="0" lang="ru-RU" smtClean="0"/>
+              <a:t>Образец заголовка</a:t>
+            </a:r>
+            <a:endParaRPr kumimoji="0" lang="en-US"/>
+          </a:p>
+        </p:txBody>
+      </p:sp>
+      <p:cxnSp>
+        <p:nvCxnSpPr>
+          <p:cNvPr id="8" name="Прямая соединительная линия 7"/>
+          <p:cNvCxnSpPr/>
+          <p:nvPr/>
+        </p:nvCxnSpPr>
+        <p:spPr>
+          <a:xfrm>
+            <a:off x="1463626" y="3550126"/>
+            <a:ext cx="2971800" cy="1588"/>
+          </a:xfrm>
+          <a:prstGeom prst="line">
+            <a:avLst/>
+          </a:prstGeom>
+          <a:ln w="9525" cap="flat" cmpd="sng" algn="ctr">
+            <a:solidFill>
+              <a:schemeClr val="bg2">
+                <a:tint val="20000"/>
+              </a:schemeClr>
+            </a:solidFill>
+            <a:prstDash val="solid"/>
+          </a:ln>
+          <a:effectLst>
+            <a:outerShdw blurRad="31750" dir="2700000" algn="tl" rotWithShape="0">
+              <a:srgbClr val="000000">
+                <a:alpha val="55000"/>
+              </a:srgbClr>
+            </a:outerShdw>
+          </a:effectLst>
+        </p:spPr>
+        <p:style>
+          <a:lnRef idx="1">
+            <a:schemeClr val="accent1"/>
+          </a:lnRef>
+          <a:fillRef idx="0">
+            <a:schemeClr val="accent1"/>
+          </a:fillRef>
+          <a:effectRef idx="0">
+            <a:schemeClr val="accent1"/>
+          </a:effectRef>
+          <a:fontRef idx="minor">
+            <a:schemeClr val="tx1"/>
+          </a:fontRef>
+        </p:style>
+      </p:cxnSp>
+      <p:cxnSp>
+        <p:nvCxnSpPr>
+          <p:cNvPr id="13" name="Прямая соединительная линия 12"/>
+          <p:cNvCxnSpPr/>
+          <p:nvPr/>
+        </p:nvCxnSpPr>
+        <p:spPr>
+          <a:xfrm>
+            <a:off x="4708574" y="3550126"/>
+            <a:ext cx="2971800" cy="1588"/>
+          </a:xfrm>
+          <a:prstGeom prst="line">
+            <a:avLst/>
+          </a:prstGeom>
+          <a:ln w="9525" cap="flat" cmpd="sng" algn="ctr">
+            <a:solidFill>
+              <a:schemeClr val="bg2">
+                <a:tint val="20000"/>
+              </a:schemeClr>
+            </a:solidFill>
+            <a:prstDash val="solid"/>
+          </a:ln>
+          <a:effectLst>
+            <a:outerShdw blurRad="31750" dir="2700000" algn="tl" rotWithShape="0">
+              <a:srgbClr val="000000">
+                <a:alpha val="55000"/>
+              </a:srgbClr>
+            </a:outerShdw>
+          </a:effectLst>
+        </p:spPr>
+        <p:style>
+          <a:lnRef idx="1">
+            <a:schemeClr val="accent1"/>
+          </a:lnRef>
+          <a:fillRef idx="0">
+            <a:schemeClr val="accent1"/>
+          </a:fillRef>
+          <a:effectRef idx="0">
+            <a:schemeClr val="accent1"/>
+          </a:effectRef>
+          <a:fontRef idx="minor">
+            <a:schemeClr val="tx1"/>
+          </a:fontRef>
+        </p:style>
+      </p:cxnSp>
+      <p:sp>
+        <p:nvSpPr>
+          <p:cNvPr id="14" name="Овал 13"/>
+          <p:cNvSpPr/>
+          <p:nvPr/>
+        </p:nvSpPr>
+        <p:spPr>
+          <a:xfrm>
+            <a:off x="4540348" y="3526302"/>
+            <a:ext cx="45720" cy="45720"/>
+          </a:xfrm>
+          <a:prstGeom prst="ellipse">
+            <a:avLst/>
+          </a:prstGeom>
+          <a:effectLst>
+            <a:outerShdw blurRad="31750" dir="2700000" algn="tl" rotWithShape="0">
+              <a:srgbClr val="000000">
+                <a:alpha val="55000"/>
+              </a:srgbClr>
+            </a:outerShdw>
+          </a:effectLst>
+        </p:spPr>
+        <p:style>
+          <a:lnRef idx="2">
+            <a:schemeClr val="accent2"/>
+          </a:lnRef>
+          <a:fillRef idx="1">
+            <a:schemeClr val="accent2"/>
+          </a:fillRef>
+          <a:effectRef idx="0">
+            <a:schemeClr val="accent2"/>
+          </a:effectRef>
+          <a:fontRef idx="minor">
+            <a:schemeClr val="lt1"/>
+          </a:fontRef>
+        </p:style>
+        <p:txBody>
+          <a:bodyPr rtlCol="0" anchor="ctr"/>
+          <a:lstStyle/>
+          <a:p>
+            <a:pPr algn="ctr" eaLnBrk="1" latinLnBrk="0" hangingPunct="1"/>
+            <a:endParaRPr kumimoji="0" lang="en-US"/>
+          </a:p>
+        </p:txBody>
+      </p:sp>
+      <p:sp>
+        <p:nvSpPr>
+          <p:cNvPr id="15" name="Дата 14"/>
           <p:cNvSpPr>
             <a:spLocks noGrp="1"/>
           </p:cNvSpPr>
@@ -740,31 +849,12 @@
       </p:sp>
       <p:sp>
         <p:nvSpPr>
-          <p:cNvPr id="5" name="Нижний колонтитул 4"/>
-          <p:cNvSpPr>
-            <a:spLocks noGrp="1"/>
-          </p:cNvSpPr>
-          <p:nvPr>
-            <p:ph type="ftr" sz="quarter" idx="11"/>
-          </p:nvPr>
-        </p:nvSpPr>
-        <p:spPr/>
-        <p:txBody>
-          <a:bodyPr/>
-          <a:lstStyle/>
-          <a:p>
-            <a:endParaRPr lang="ru-RU" dirty="0"/>
-          </a:p>
-        </p:txBody>
-      </p:sp>
-      <p:sp>
-        <p:nvSpPr>
-          <p:cNvPr id="6" name="Номер слайда 5"/>
-          <p:cNvSpPr>
-            <a:spLocks noGrp="1"/>
-          </p:cNvSpPr>
-          <p:nvPr>
-            <p:ph type="sldNum" sz="quarter" idx="12"/>
+          <p:cNvPr id="16" name="Номер слайда 15"/>
+          <p:cNvSpPr>
+            <a:spLocks noGrp="1"/>
+          </p:cNvSpPr>
+          <p:nvPr>
+            <p:ph type="sldNum" sz="quarter" idx="11"/>
           </p:nvPr>
         </p:nvSpPr>
         <p:spPr/>
@@ -777,6 +867,25 @@
               <a:pPr/>
               <a:t>‹#›</a:t>
             </a:fld>
+            <a:endParaRPr lang="ru-RU" dirty="0"/>
+          </a:p>
+        </p:txBody>
+      </p:sp>
+      <p:sp>
+        <p:nvSpPr>
+          <p:cNvPr id="17" name="Нижний колонтитул 16"/>
+          <p:cNvSpPr>
+            <a:spLocks noGrp="1"/>
+          </p:cNvSpPr>
+          <p:nvPr>
+            <p:ph type="ftr" sz="quarter" idx="12"/>
+          </p:nvPr>
+        </p:nvSpPr>
+        <p:spPr/>
+        <p:txBody>
+          <a:bodyPr/>
+          <a:lstStyle/>
+          <a:p>
             <a:endParaRPr lang="ru-RU" dirty="0"/>
           </a:p>
         </p:txBody>
@@ -822,10 +931,10 @@
           <a:lstStyle/>
           <a:p>
             <a:r>
-              <a:rPr lang="ru-RU" smtClean="0"/>
+              <a:rPr kumimoji="0" lang="ru-RU" smtClean="0"/>
               <a:t>Образец заголовка</a:t>
             </a:r>
-            <a:endParaRPr lang="ru-RU"/>
+            <a:endParaRPr kumimoji="0" lang="en-US"/>
           </a:p>
         </p:txBody>
       </p:sp>
@@ -844,40 +953,40 @@
           <a:bodyPr vert="eaVert"/>
           <a:lstStyle/>
           <a:p>
-            <a:pPr lvl="0"/>
+            <a:pPr lvl="0" eaLnBrk="1" latinLnBrk="0" hangingPunct="1"/>
             <a:r>
               <a:rPr lang="ru-RU" smtClean="0"/>
               <a:t>Образец текста</a:t>
             </a:r>
           </a:p>
           <a:p>
-            <a:pPr lvl="1"/>
+            <a:pPr lvl="1" eaLnBrk="1" latinLnBrk="0" hangingPunct="1"/>
             <a:r>
               <a:rPr lang="ru-RU" smtClean="0"/>
               <a:t>Второй уровень</a:t>
             </a:r>
           </a:p>
           <a:p>
-            <a:pPr lvl="2"/>
+            <a:pPr lvl="2" eaLnBrk="1" latinLnBrk="0" hangingPunct="1"/>
             <a:r>
               <a:rPr lang="ru-RU" smtClean="0"/>
               <a:t>Третий уровень</a:t>
             </a:r>
           </a:p>
           <a:p>
-            <a:pPr lvl="3"/>
+            <a:pPr lvl="3" eaLnBrk="1" latinLnBrk="0" hangingPunct="1"/>
             <a:r>
               <a:rPr lang="ru-RU" smtClean="0"/>
               <a:t>Четвертый уровень</a:t>
             </a:r>
           </a:p>
           <a:p>
-            <a:pPr lvl="4"/>
+            <a:pPr lvl="4" eaLnBrk="1" latinLnBrk="0" hangingPunct="1"/>
             <a:r>
               <a:rPr lang="ru-RU" smtClean="0"/>
               <a:t>Пятый уровень</a:t>
             </a:r>
-            <a:endParaRPr lang="ru-RU"/>
+            <a:endParaRPr kumimoji="0" lang="en-US"/>
           </a:p>
         </p:txBody>
       </p:sp>
@@ -994,10 +1103,10 @@
           <a:lstStyle/>
           <a:p>
             <a:r>
-              <a:rPr lang="ru-RU" smtClean="0"/>
+              <a:rPr kumimoji="0" lang="ru-RU" smtClean="0"/>
               <a:t>Образец заголовка</a:t>
             </a:r>
-            <a:endParaRPr lang="ru-RU"/>
+            <a:endParaRPr kumimoji="0" lang="en-US"/>
           </a:p>
         </p:txBody>
       </p:sp>
@@ -1021,40 +1130,40 @@
           <a:bodyPr vert="eaVert"/>
           <a:lstStyle/>
           <a:p>
-            <a:pPr lvl="0"/>
+            <a:pPr lvl="0" eaLnBrk="1" latinLnBrk="0" hangingPunct="1"/>
             <a:r>
               <a:rPr lang="ru-RU" smtClean="0"/>
               <a:t>Образец текста</a:t>
             </a:r>
           </a:p>
           <a:p>
-            <a:pPr lvl="1"/>
+            <a:pPr lvl="1" eaLnBrk="1" latinLnBrk="0" hangingPunct="1"/>
             <a:r>
               <a:rPr lang="ru-RU" smtClean="0"/>
               <a:t>Второй уровень</a:t>
             </a:r>
           </a:p>
           <a:p>
-            <a:pPr lvl="2"/>
+            <a:pPr lvl="2" eaLnBrk="1" latinLnBrk="0" hangingPunct="1"/>
             <a:r>
               <a:rPr lang="ru-RU" smtClean="0"/>
               <a:t>Третий уровень</a:t>
             </a:r>
           </a:p>
           <a:p>
-            <a:pPr lvl="3"/>
+            <a:pPr lvl="3" eaLnBrk="1" latinLnBrk="0" hangingPunct="1"/>
             <a:r>
               <a:rPr lang="ru-RU" smtClean="0"/>
               <a:t>Четвертый уровень</a:t>
             </a:r>
           </a:p>
           <a:p>
-            <a:pPr lvl="4"/>
+            <a:pPr lvl="4" eaLnBrk="1" latinLnBrk="0" hangingPunct="1"/>
             <a:r>
               <a:rPr lang="ru-RU" smtClean="0"/>
               <a:t>Пятый уровень</a:t>
             </a:r>
-            <a:endParaRPr lang="ru-RU"/>
+            <a:endParaRPr kumimoji="0" lang="en-US"/>
           </a:p>
         </p:txBody>
       </p:sp>
@@ -1152,87 +1261,69 @@
       </p:grpSpPr>
       <p:sp>
         <p:nvSpPr>
-          <p:cNvPr id="2" name="Заголовок 1"/>
-          <p:cNvSpPr>
-            <a:spLocks noGrp="1"/>
-          </p:cNvSpPr>
-          <p:nvPr>
-            <p:ph type="title"/>
-          </p:nvPr>
-        </p:nvSpPr>
-        <p:spPr/>
+          <p:cNvPr id="9" name="Содержимое 8"/>
+          <p:cNvSpPr>
+            <a:spLocks noGrp="1"/>
+          </p:cNvSpPr>
+          <p:nvPr>
+            <p:ph idx="1"/>
+          </p:nvPr>
+        </p:nvSpPr>
+        <p:spPr>
+          <a:xfrm>
+            <a:off x="457200" y="1524000"/>
+            <a:ext cx="8229600" cy="4572000"/>
+          </a:xfrm>
+        </p:spPr>
         <p:txBody>
           <a:bodyPr/>
           <a:lstStyle/>
           <a:p>
-            <a:r>
-              <a:rPr lang="ru-RU" smtClean="0"/>
-              <a:t>Образец заголовка</a:t>
-            </a:r>
-            <a:endParaRPr lang="ru-RU"/>
-          </a:p>
-        </p:txBody>
-      </p:sp>
-      <p:sp>
-        <p:nvSpPr>
-          <p:cNvPr id="3" name="Содержимое 2"/>
-          <p:cNvSpPr>
-            <a:spLocks noGrp="1"/>
-          </p:cNvSpPr>
-          <p:nvPr>
-            <p:ph idx="1"/>
-          </p:nvPr>
-        </p:nvSpPr>
-        <p:spPr/>
-        <p:txBody>
-          <a:bodyPr/>
-          <a:lstStyle/>
-          <a:p>
-            <a:pPr lvl="0"/>
+            <a:pPr lvl="0" eaLnBrk="1" latinLnBrk="0" hangingPunct="1"/>
             <a:r>
               <a:rPr lang="ru-RU" smtClean="0"/>
               <a:t>Образец текста</a:t>
             </a:r>
           </a:p>
           <a:p>
-            <a:pPr lvl="1"/>
+            <a:pPr lvl="1" eaLnBrk="1" latinLnBrk="0" hangingPunct="1"/>
             <a:r>
               <a:rPr lang="ru-RU" smtClean="0"/>
               <a:t>Второй уровень</a:t>
             </a:r>
           </a:p>
           <a:p>
-            <a:pPr lvl="2"/>
+            <a:pPr lvl="2" eaLnBrk="1" latinLnBrk="0" hangingPunct="1"/>
             <a:r>
               <a:rPr lang="ru-RU" smtClean="0"/>
               <a:t>Третий уровень</a:t>
             </a:r>
           </a:p>
           <a:p>
-            <a:pPr lvl="3"/>
+            <a:pPr lvl="3" eaLnBrk="1" latinLnBrk="0" hangingPunct="1"/>
             <a:r>
               <a:rPr lang="ru-RU" smtClean="0"/>
               <a:t>Четвертый уровень</a:t>
             </a:r>
           </a:p>
           <a:p>
-            <a:pPr lvl="4"/>
+            <a:pPr lvl="4" eaLnBrk="1" latinLnBrk="0" hangingPunct="1"/>
             <a:r>
               <a:rPr lang="ru-RU" smtClean="0"/>
               <a:t>Пятый уровень</a:t>
             </a:r>
-            <a:endParaRPr lang="ru-RU"/>
-          </a:p>
-        </p:txBody>
-      </p:sp>
-      <p:sp>
-        <p:nvSpPr>
-          <p:cNvPr id="4" name="Дата 3"/>
-          <p:cNvSpPr>
-            <a:spLocks noGrp="1"/>
-          </p:cNvSpPr>
-          <p:nvPr>
-            <p:ph type="dt" sz="half" idx="10"/>
+            <a:endParaRPr kumimoji="0" lang="en-US"/>
+          </a:p>
+        </p:txBody>
+      </p:sp>
+      <p:sp>
+        <p:nvSpPr>
+          <p:cNvPr id="14" name="Дата 13"/>
+          <p:cNvSpPr>
+            <a:spLocks noGrp="1"/>
+          </p:cNvSpPr>
+          <p:nvPr>
+            <p:ph type="dt" sz="half" idx="14"/>
           </p:nvPr>
         </p:nvSpPr>
         <p:spPr/>
@@ -1251,37 +1342,22 @@
       </p:sp>
       <p:sp>
         <p:nvSpPr>
-          <p:cNvPr id="5" name="Нижний колонтитул 4"/>
-          <p:cNvSpPr>
-            <a:spLocks noGrp="1"/>
-          </p:cNvSpPr>
-          <p:nvPr>
-            <p:ph type="ftr" sz="quarter" idx="11"/>
+          <p:cNvPr id="15" name="Номер слайда 14"/>
+          <p:cNvSpPr>
+            <a:spLocks noGrp="1"/>
+          </p:cNvSpPr>
+          <p:nvPr>
+            <p:ph type="sldNum" sz="quarter" idx="15"/>
           </p:nvPr>
         </p:nvSpPr>
         <p:spPr/>
         <p:txBody>
           <a:bodyPr/>
-          <a:lstStyle/>
-          <a:p>
-            <a:endParaRPr lang="ru-RU" dirty="0"/>
-          </a:p>
-        </p:txBody>
-      </p:sp>
-      <p:sp>
-        <p:nvSpPr>
-          <p:cNvPr id="6" name="Номер слайда 5"/>
-          <p:cNvSpPr>
-            <a:spLocks noGrp="1"/>
-          </p:cNvSpPr>
-          <p:nvPr>
-            <p:ph type="sldNum" sz="quarter" idx="12"/>
-          </p:nvPr>
-        </p:nvSpPr>
-        <p:spPr/>
-        <p:txBody>
-          <a:bodyPr/>
-          <a:lstStyle/>
+          <a:lstStyle>
+            <a:lvl1pPr algn="ctr">
+              <a:defRPr/>
+            </a:lvl1pPr>
+          </a:lstStyle>
           <a:p>
             <a:fld id="{A55A9875-8921-4AF5-A7AA-BDFEF3FF5735}" type="slidenum">
               <a:rPr lang="ru-RU" smtClean="0"/>
@@ -1289,6 +1365,48 @@
               <a:t>‹#›</a:t>
             </a:fld>
             <a:endParaRPr lang="ru-RU" dirty="0"/>
+          </a:p>
+        </p:txBody>
+      </p:sp>
+      <p:sp>
+        <p:nvSpPr>
+          <p:cNvPr id="16" name="Нижний колонтитул 15"/>
+          <p:cNvSpPr>
+            <a:spLocks noGrp="1"/>
+          </p:cNvSpPr>
+          <p:nvPr>
+            <p:ph type="ftr" sz="quarter" idx="16"/>
+          </p:nvPr>
+        </p:nvSpPr>
+        <p:spPr/>
+        <p:txBody>
+          <a:bodyPr/>
+          <a:lstStyle/>
+          <a:p>
+            <a:endParaRPr lang="ru-RU" dirty="0"/>
+          </a:p>
+        </p:txBody>
+      </p:sp>
+      <p:sp>
+        <p:nvSpPr>
+          <p:cNvPr id="17" name="Заголовок 16"/>
+          <p:cNvSpPr>
+            <a:spLocks noGrp="1"/>
+          </p:cNvSpPr>
+          <p:nvPr>
+            <p:ph type="title"/>
+          </p:nvPr>
+        </p:nvSpPr>
+        <p:spPr/>
+        <p:txBody>
+          <a:bodyPr rtlCol="0" anchor="b" anchorCtr="0"/>
+          <a:lstStyle/>
+          <a:p>
+            <a:r>
+              <a:rPr kumimoji="0" lang="ru-RU" smtClean="0"/>
+              <a:t>Образец заголовка</a:t>
+            </a:r>
+            <a:endParaRPr kumimoji="0" lang="en-US"/>
           </a:p>
         </p:txBody>
       </p:sp>
@@ -1319,6 +1437,73 @@
       </p:grpSpPr>
       <p:sp>
         <p:nvSpPr>
+          <p:cNvPr id="4" name="Дата 3"/>
+          <p:cNvSpPr>
+            <a:spLocks noGrp="1"/>
+          </p:cNvSpPr>
+          <p:nvPr>
+            <p:ph type="dt" sz="half" idx="10"/>
+          </p:nvPr>
+        </p:nvSpPr>
+        <p:spPr/>
+        <p:txBody>
+          <a:bodyPr/>
+          <a:lstStyle/>
+          <a:p>
+            <a:fld id="{42344BED-61BC-4FD1-856F-E8A67CB721A4}" type="datetimeFigureOut">
+              <a:rPr lang="ru-RU" smtClean="0"/>
+              <a:pPr/>
+              <a:t>28.02.2021</a:t>
+            </a:fld>
+            <a:endParaRPr lang="ru-RU" dirty="0"/>
+          </a:p>
+        </p:txBody>
+      </p:sp>
+      <p:sp>
+        <p:nvSpPr>
+          <p:cNvPr id="5" name="Нижний колонтитул 4"/>
+          <p:cNvSpPr>
+            <a:spLocks noGrp="1"/>
+          </p:cNvSpPr>
+          <p:nvPr>
+            <p:ph type="ftr" sz="quarter" idx="11"/>
+          </p:nvPr>
+        </p:nvSpPr>
+        <p:spPr/>
+        <p:txBody>
+          <a:bodyPr/>
+          <a:lstStyle/>
+          <a:p>
+            <a:endParaRPr lang="ru-RU" dirty="0"/>
+          </a:p>
+        </p:txBody>
+      </p:sp>
+      <p:sp>
+        <p:nvSpPr>
+          <p:cNvPr id="6" name="Номер слайда 5"/>
+          <p:cNvSpPr>
+            <a:spLocks noGrp="1"/>
+          </p:cNvSpPr>
+          <p:nvPr>
+            <p:ph type="sldNum" sz="quarter" idx="12"/>
+          </p:nvPr>
+        </p:nvSpPr>
+        <p:spPr/>
+        <p:txBody>
+          <a:bodyPr/>
+          <a:lstStyle/>
+          <a:p>
+            <a:fld id="{A55A9875-8921-4AF5-A7AA-BDFEF3FF5735}" type="slidenum">
+              <a:rPr lang="ru-RU" smtClean="0"/>
+              <a:pPr/>
+              <a:t>‹#›</a:t>
+            </a:fld>
+            <a:endParaRPr lang="ru-RU" dirty="0"/>
+          </a:p>
+        </p:txBody>
+      </p:sp>
+      <p:sp>
+        <p:nvSpPr>
           <p:cNvPr id="2" name="Заголовок 1"/>
           <p:cNvSpPr>
             <a:spLocks noGrp="1"/>
@@ -1329,23 +1514,50 @@
         </p:nvSpPr>
         <p:spPr>
           <a:xfrm>
-            <a:off x="722313" y="4406900"/>
-            <a:ext cx="7772400" cy="1362075"/>
-          </a:xfrm>
-        </p:spPr>
-        <p:txBody>
-          <a:bodyPr anchor="t"/>
+            <a:off x="685800" y="3505200"/>
+            <a:ext cx="7924800" cy="1371600"/>
+          </a:xfrm>
+        </p:spPr>
+        <p:txBody>
+          <a:bodyPr>
+            <a:noAutofit/>
+          </a:bodyPr>
           <a:lstStyle>
-            <a:lvl1pPr algn="l">
-              <a:defRPr sz="4000" b="1" cap="all"/>
+            <a:lvl1pPr algn="l" rtl="0">
+              <a:spcBef>
+                <a:spcPct val="0"/>
+              </a:spcBef>
+              <a:buNone/>
+              <a:defRPr lang="en-US" sz="4800" b="0" dirty="0">
+                <a:ln w="3200">
+                  <a:solidFill>
+                    <a:schemeClr val="bg2">
+                      <a:shade val="25000"/>
+                      <a:alpha val="25000"/>
+                    </a:schemeClr>
+                  </a:solidFill>
+                  <a:prstDash val="solid"/>
+                  <a:round/>
+                </a:ln>
+                <a:solidFill>
+                  <a:srgbClr val="F9F9F9"/>
+                </a:solidFill>
+                <a:effectLst>
+                  <a:innerShdw blurRad="38100" dist="25400" dir="13500000">
+                    <a:prstClr val="black">
+                      <a:alpha val="70000"/>
+                    </a:prstClr>
+                  </a:innerShdw>
+                </a:effectLst>
+              </a:defRPr>
             </a:lvl1pPr>
           </a:lstStyle>
           <a:p>
             <a:r>
-              <a:rPr lang="ru-RU" smtClean="0"/>
+              <a:rPr kumimoji="0" lang="ru-RU" smtClean="0"/>
               <a:t>Образец заголовка</a:t>
             </a:r>
-            <a:endParaRPr lang="ru-RU"/>
+            <a:endParaRPr kumimoji="0" lang="en-US"/>
           </a:p>
         </p:txBody>
       </p:sp>
@@ -1361,24 +1573,22 @@
         </p:nvSpPr>
         <p:spPr>
           <a:xfrm>
-            <a:off x="722313" y="2906713"/>
-            <a:ext cx="7772400" cy="1500187"/>
-          </a:xfrm>
-        </p:spPr>
-        <p:txBody>
-          <a:bodyPr anchor="b"/>
+            <a:off x="685800" y="4958864"/>
+            <a:ext cx="7924800" cy="984736"/>
+          </a:xfrm>
+        </p:spPr>
+        <p:txBody>
+          <a:bodyPr anchor="t"/>
           <a:lstStyle>
             <a:lvl1pPr marL="0" indent="0">
               <a:buNone/>
-              <a:defRPr sz="2000">
+              <a:defRPr sz="2000" spc="100" baseline="0">
                 <a:solidFill>
-                  <a:schemeClr val="tx1">
-                    <a:tint val="75000"/>
-                  </a:schemeClr>
+                  <a:schemeClr val="tx2"/>
                 </a:solidFill>
               </a:defRPr>
             </a:lvl1pPr>
-            <a:lvl2pPr marL="457200" indent="0">
+            <a:lvl2pPr>
               <a:buNone/>
               <a:defRPr sz="1800">
                 <a:solidFill>
@@ -1388,7 +1598,7 @@
                 </a:solidFill>
               </a:defRPr>
             </a:lvl2pPr>
-            <a:lvl3pPr marL="914400" indent="0">
+            <a:lvl3pPr>
               <a:buNone/>
               <a:defRPr sz="1600">
                 <a:solidFill>
@@ -1398,7 +1608,7 @@
                 </a:solidFill>
               </a:defRPr>
             </a:lvl3pPr>
-            <a:lvl4pPr marL="1371600" indent="0">
+            <a:lvl4pPr>
               <a:buNone/>
               <a:defRPr sz="1400">
                 <a:solidFill>
@@ -1408,7 +1618,7 @@
                 </a:solidFill>
               </a:defRPr>
             </a:lvl4pPr>
-            <a:lvl5pPr marL="1828800" indent="0">
+            <a:lvl5pPr>
               <a:buNone/>
               <a:defRPr sz="1400">
                 <a:solidFill>
@@ -1418,123 +1628,60 @@
                 </a:solidFill>
               </a:defRPr>
             </a:lvl5pPr>
-            <a:lvl6pPr marL="2286000" indent="0">
-              <a:buNone/>
-              <a:defRPr sz="1400">
-                <a:solidFill>
-                  <a:schemeClr val="tx1">
-                    <a:tint val="75000"/>
-                  </a:schemeClr>
-                </a:solidFill>
-              </a:defRPr>
-            </a:lvl6pPr>
-            <a:lvl7pPr marL="2743200" indent="0">
-              <a:buNone/>
-              <a:defRPr sz="1400">
-                <a:solidFill>
-                  <a:schemeClr val="tx1">
-                    <a:tint val="75000"/>
-                  </a:schemeClr>
-                </a:solidFill>
-              </a:defRPr>
-            </a:lvl7pPr>
-            <a:lvl8pPr marL="3200400" indent="0">
-              <a:buNone/>
-              <a:defRPr sz="1400">
-                <a:solidFill>
-                  <a:schemeClr val="tx1">
-                    <a:tint val="75000"/>
-                  </a:schemeClr>
-                </a:solidFill>
-              </a:defRPr>
-            </a:lvl8pPr>
-            <a:lvl9pPr marL="3657600" indent="0">
-              <a:buNone/>
-              <a:defRPr sz="1400">
-                <a:solidFill>
-                  <a:schemeClr val="tx1">
-                    <a:tint val="75000"/>
-                  </a:schemeClr>
-                </a:solidFill>
-              </a:defRPr>
-            </a:lvl9pPr>
           </a:lstStyle>
           <a:p>
-            <a:pPr lvl="0"/>
-            <a:r>
-              <a:rPr lang="ru-RU" smtClean="0"/>
+            <a:pPr lvl="0" eaLnBrk="1" latinLnBrk="0" hangingPunct="1"/>
+            <a:r>
+              <a:rPr kumimoji="0" lang="ru-RU" smtClean="0"/>
               <a:t>Образец текста</a:t>
             </a:r>
           </a:p>
         </p:txBody>
       </p:sp>
-      <p:sp>
-        <p:nvSpPr>
-          <p:cNvPr id="4" name="Дата 3"/>
-          <p:cNvSpPr>
-            <a:spLocks noGrp="1"/>
-          </p:cNvSpPr>
-          <p:nvPr>
-            <p:ph type="dt" sz="half" idx="10"/>
-          </p:nvPr>
-        </p:nvSpPr>
-        <p:spPr/>
-        <p:txBody>
-          <a:bodyPr/>
-          <a:lstStyle/>
-          <a:p>
-            <a:fld id="{42344BED-61BC-4FD1-856F-E8A67CB721A4}" type="datetimeFigureOut">
-              <a:rPr lang="ru-RU" smtClean="0"/>
-              <a:pPr/>
-              <a:t>28.02.2021</a:t>
-            </a:fld>
-            <a:endParaRPr lang="ru-RU" dirty="0"/>
-          </a:p>
-        </p:txBody>
-      </p:sp>
-      <p:sp>
-        <p:nvSpPr>
-          <p:cNvPr id="5" name="Нижний колонтитул 4"/>
-          <p:cNvSpPr>
-            <a:spLocks noGrp="1"/>
-          </p:cNvSpPr>
-          <p:nvPr>
-            <p:ph type="ftr" sz="quarter" idx="11"/>
-          </p:nvPr>
-        </p:nvSpPr>
-        <p:spPr/>
-        <p:txBody>
-          <a:bodyPr/>
-          <a:lstStyle/>
-          <a:p>
-            <a:endParaRPr lang="ru-RU" dirty="0"/>
-          </a:p>
-        </p:txBody>
-      </p:sp>
-      <p:sp>
-        <p:nvSpPr>
-          <p:cNvPr id="6" name="Номер слайда 5"/>
-          <p:cNvSpPr>
-            <a:spLocks noGrp="1"/>
-          </p:cNvSpPr>
-          <p:nvPr>
-            <p:ph type="sldNum" sz="quarter" idx="12"/>
-          </p:nvPr>
-        </p:nvSpPr>
-        <p:spPr/>
-        <p:txBody>
-          <a:bodyPr/>
-          <a:lstStyle/>
-          <a:p>
-            <a:fld id="{A55A9875-8921-4AF5-A7AA-BDFEF3FF5735}" type="slidenum">
-              <a:rPr lang="ru-RU" smtClean="0"/>
-              <a:pPr/>
-              <a:t>‹#›</a:t>
-            </a:fld>
-            <a:endParaRPr lang="ru-RU" dirty="0"/>
-          </a:p>
-        </p:txBody>
-      </p:sp>
+      <p:cxnSp>
+        <p:nvCxnSpPr>
+          <p:cNvPr id="7" name="Прямая соединительная линия 6"/>
+          <p:cNvCxnSpPr/>
+          <p:nvPr/>
+        </p:nvCxnSpPr>
+        <p:spPr>
+          <a:xfrm>
+            <a:off x="685800" y="4916992"/>
+            <a:ext cx="7924800" cy="4301"/>
+          </a:xfrm>
+          <a:prstGeom prst="line">
+            <a:avLst/>
+          </a:prstGeom>
+          <a:noFill/>
+          <a:ln w="9525" cap="flat" cmpd="sng" algn="ctr">
+            <a:solidFill>
+              <a:srgbClr val="E9E9E8"/>
+            </a:solidFill>
+            <a:prstDash val="solid"/>
+          </a:ln>
+          <a:effectLst>
+            <a:outerShdw blurRad="31750" dir="2700000" algn="tl" rotWithShape="0">
+              <a:srgbClr val="000000">
+                <a:alpha val="55000"/>
+              </a:srgbClr>
+            </a:outerShdw>
+          </a:effectLst>
+        </p:spPr>
+        <p:style>
+          <a:lnRef idx="1">
+            <a:schemeClr val="accent1"/>
+          </a:lnRef>
+          <a:fillRef idx="0">
+            <a:schemeClr val="accent1"/>
+          </a:fillRef>
+          <a:effectRef idx="0">
+            <a:schemeClr val="accent1"/>
+          </a:effectRef>
+          <a:fontRef idx="minor">
+            <a:schemeClr val="tx1"/>
+          </a:fontRef>
+        </p:style>
+      </p:cxnSp>
     </p:spTree>
   </p:cSld>
   <p:clrMapOvr>
@@ -1562,199 +1709,6 @@
       </p:grpSpPr>
       <p:sp>
         <p:nvSpPr>
-          <p:cNvPr id="2" name="Заголовок 1"/>
-          <p:cNvSpPr>
-            <a:spLocks noGrp="1"/>
-          </p:cNvSpPr>
-          <p:nvPr>
-            <p:ph type="title"/>
-          </p:nvPr>
-        </p:nvSpPr>
-        <p:spPr/>
-        <p:txBody>
-          <a:bodyPr/>
-          <a:lstStyle/>
-          <a:p>
-            <a:r>
-              <a:rPr lang="ru-RU" smtClean="0"/>
-              <a:t>Образец заголовка</a:t>
-            </a:r>
-            <a:endParaRPr lang="ru-RU"/>
-          </a:p>
-        </p:txBody>
-      </p:sp>
-      <p:sp>
-        <p:nvSpPr>
-          <p:cNvPr id="3" name="Содержимое 2"/>
-          <p:cNvSpPr>
-            <a:spLocks noGrp="1"/>
-          </p:cNvSpPr>
-          <p:nvPr>
-            <p:ph sz="half" idx="1"/>
-          </p:nvPr>
-        </p:nvSpPr>
-        <p:spPr>
-          <a:xfrm>
-            <a:off x="457200" y="1600200"/>
-            <a:ext cx="4038600" cy="4525963"/>
-          </a:xfrm>
-        </p:spPr>
-        <p:txBody>
-          <a:bodyPr/>
-          <a:lstStyle>
-            <a:lvl1pPr>
-              <a:defRPr sz="2800"/>
-            </a:lvl1pPr>
-            <a:lvl2pPr>
-              <a:defRPr sz="2400"/>
-            </a:lvl2pPr>
-            <a:lvl3pPr>
-              <a:defRPr sz="2000"/>
-            </a:lvl3pPr>
-            <a:lvl4pPr>
-              <a:defRPr sz="1800"/>
-            </a:lvl4pPr>
-            <a:lvl5pPr>
-              <a:defRPr sz="1800"/>
-            </a:lvl5pPr>
-            <a:lvl6pPr>
-              <a:defRPr sz="1800"/>
-            </a:lvl6pPr>
-            <a:lvl7pPr>
-              <a:defRPr sz="1800"/>
-            </a:lvl7pPr>
-            <a:lvl8pPr>
-              <a:defRPr sz="1800"/>
-            </a:lvl8pPr>
-            <a:lvl9pPr>
-              <a:defRPr sz="1800"/>
-            </a:lvl9pPr>
-          </a:lstStyle>
-          <a:p>
-            <a:pPr lvl="0"/>
-            <a:r>
-              <a:rPr lang="ru-RU" smtClean="0"/>
-              <a:t>Образец текста</a:t>
-            </a:r>
-          </a:p>
-          <a:p>
-            <a:pPr lvl="1"/>
-            <a:r>
-              <a:rPr lang="ru-RU" smtClean="0"/>
-              <a:t>Второй уровень</a:t>
-            </a:r>
-          </a:p>
-          <a:p>
-            <a:pPr lvl="2"/>
-            <a:r>
-              <a:rPr lang="ru-RU" smtClean="0"/>
-              <a:t>Третий уровень</a:t>
-            </a:r>
-          </a:p>
-          <a:p>
-            <a:pPr lvl="3"/>
-            <a:r>
-              <a:rPr lang="ru-RU" smtClean="0"/>
-              <a:t>Четвертый уровень</a:t>
-            </a:r>
-          </a:p>
-          <a:p>
-            <a:pPr lvl="4"/>
-            <a:r>
-              <a:rPr lang="ru-RU" smtClean="0"/>
-              <a:t>Пятый уровень</a:t>
-            </a:r>
-            <a:endParaRPr lang="ru-RU"/>
-          </a:p>
-        </p:txBody>
-      </p:sp>
-      <p:sp>
-        <p:nvSpPr>
-          <p:cNvPr id="4" name="Содержимое 3"/>
-          <p:cNvSpPr>
-            <a:spLocks noGrp="1"/>
-          </p:cNvSpPr>
-          <p:nvPr>
-            <p:ph sz="half" idx="2"/>
-          </p:nvPr>
-        </p:nvSpPr>
-        <p:spPr>
-          <a:xfrm>
-            <a:off x="4648200" y="1600200"/>
-            <a:ext cx="4038600" cy="4525963"/>
-          </a:xfrm>
-        </p:spPr>
-        <p:txBody>
-          <a:bodyPr/>
-          <a:lstStyle>
-            <a:lvl1pPr>
-              <a:defRPr sz="2800"/>
-            </a:lvl1pPr>
-            <a:lvl2pPr>
-              <a:defRPr sz="2400"/>
-            </a:lvl2pPr>
-            <a:lvl3pPr>
-              <a:defRPr sz="2000"/>
-            </a:lvl3pPr>
-            <a:lvl4pPr>
-              <a:defRPr sz="1800"/>
-            </a:lvl4pPr>
-            <a:lvl5pPr>
-              <a:defRPr sz="1800"/>
-            </a:lvl5pPr>
-            <a:lvl6pPr>
-              <a:defRPr sz="1800"/>
-            </a:lvl6pPr>
-            <a:lvl7pPr>
-              <a:defRPr sz="1800"/>
-            </a:lvl7pPr>
-            <a:lvl8pPr>
-              <a:defRPr sz="1800"/>
-            </a:lvl8pPr>
-            <a:lvl9pPr>
-              <a:defRPr sz="1800"/>
-            </a:lvl9pPr>
-          </a:lstStyle>
-          <a:p>
-            <a:pPr lvl="0"/>
-            <a:r>
-              <a:rPr lang="ru-RU" smtClean="0"/>
-              <a:t>Образец текста</a:t>
-            </a:r>
-          </a:p>
-          <a:p>
-            <a:pPr lvl="1"/>
-            <a:r>
-              <a:rPr lang="ru-RU" smtClean="0"/>
-              <a:t>Второй уровень</a:t>
-            </a:r>
-          </a:p>
-          <a:p>
-            <a:pPr lvl="2"/>
-            <a:r>
-              <a:rPr lang="ru-RU" smtClean="0"/>
-              <a:t>Третий уровень</a:t>
-            </a:r>
-          </a:p>
-          <a:p>
-            <a:pPr lvl="3"/>
-            <a:r>
-              <a:rPr lang="ru-RU" smtClean="0"/>
-              <a:t>Четвертый уровень</a:t>
-            </a:r>
-          </a:p>
-          <a:p>
-            <a:pPr lvl="4"/>
-            <a:r>
-              <a:rPr lang="ru-RU" smtClean="0"/>
-              <a:t>Пятый уровень</a:t>
-            </a:r>
-            <a:endParaRPr lang="ru-RU"/>
-          </a:p>
-        </p:txBody>
-      </p:sp>
-      <p:sp>
-        <p:nvSpPr>
           <p:cNvPr id="5" name="Дата 4"/>
           <p:cNvSpPr>
             <a:spLocks noGrp="1"/>
@@ -1817,6 +1771,143 @@
               <a:t>‹#›</a:t>
             </a:fld>
             <a:endParaRPr lang="ru-RU" dirty="0"/>
+          </a:p>
+        </p:txBody>
+      </p:sp>
+      <p:sp>
+        <p:nvSpPr>
+          <p:cNvPr id="2" name="Заголовок 1"/>
+          <p:cNvSpPr>
+            <a:spLocks noGrp="1"/>
+          </p:cNvSpPr>
+          <p:nvPr>
+            <p:ph type="title"/>
+          </p:nvPr>
+        </p:nvSpPr>
+        <p:spPr/>
+        <p:txBody>
+          <a:bodyPr/>
+          <a:lstStyle/>
+          <a:p>
+            <a:r>
+              <a:rPr kumimoji="0" lang="ru-RU" smtClean="0"/>
+              <a:t>Образец заголовка</a:t>
+            </a:r>
+            <a:endParaRPr kumimoji="0" lang="en-US"/>
+          </a:p>
+        </p:txBody>
+      </p:sp>
+      <p:sp>
+        <p:nvSpPr>
+          <p:cNvPr id="11" name="Содержимое 10"/>
+          <p:cNvSpPr>
+            <a:spLocks noGrp="1"/>
+          </p:cNvSpPr>
+          <p:nvPr>
+            <p:ph sz="half" idx="1"/>
+          </p:nvPr>
+        </p:nvSpPr>
+        <p:spPr>
+          <a:xfrm>
+            <a:off x="457200" y="1524000"/>
+            <a:ext cx="4059936" cy="4572000"/>
+          </a:xfrm>
+        </p:spPr>
+        <p:txBody>
+          <a:bodyPr/>
+          <a:lstStyle/>
+          <a:p>
+            <a:pPr lvl="0" eaLnBrk="1" latinLnBrk="0" hangingPunct="1"/>
+            <a:r>
+              <a:rPr lang="ru-RU" smtClean="0"/>
+              <a:t>Образец текста</a:t>
+            </a:r>
+          </a:p>
+          <a:p>
+            <a:pPr lvl="1" eaLnBrk="1" latinLnBrk="0" hangingPunct="1"/>
+            <a:r>
+              <a:rPr lang="ru-RU" smtClean="0"/>
+              <a:t>Второй уровень</a:t>
+            </a:r>
+          </a:p>
+          <a:p>
+            <a:pPr lvl="2" eaLnBrk="1" latinLnBrk="0" hangingPunct="1"/>
+            <a:r>
+              <a:rPr lang="ru-RU" smtClean="0"/>
+              <a:t>Третий уровень</a:t>
+            </a:r>
+          </a:p>
+          <a:p>
+            <a:pPr lvl="3" eaLnBrk="1" latinLnBrk="0" hangingPunct="1"/>
+            <a:r>
+              <a:rPr lang="ru-RU" smtClean="0"/>
+              <a:t>Четвертый уровень</a:t>
+            </a:r>
+          </a:p>
+          <a:p>
+            <a:pPr lvl="4" eaLnBrk="1" latinLnBrk="0" hangingPunct="1"/>
+            <a:r>
+              <a:rPr lang="ru-RU" smtClean="0"/>
+              <a:t>Пятый уровень</a:t>
+            </a:r>
+            <a:endParaRPr kumimoji="0" lang="en-US"/>
+          </a:p>
+        </p:txBody>
+      </p:sp>
+      <p:sp>
+        <p:nvSpPr>
+          <p:cNvPr id="13" name="Содержимое 12"/>
+          <p:cNvSpPr>
+            <a:spLocks noGrp="1"/>
+          </p:cNvSpPr>
+          <p:nvPr>
+            <p:ph sz="half" idx="2"/>
+          </p:nvPr>
+        </p:nvSpPr>
+        <p:spPr>
+          <a:xfrm>
+            <a:off x="4648200" y="1524000"/>
+            <a:ext cx="4059936" cy="4572000"/>
+          </a:xfrm>
+        </p:spPr>
+        <p:txBody>
+          <a:bodyPr/>
+          <a:lstStyle/>
+          <a:p>
+            <a:pPr lvl="0" eaLnBrk="1" latinLnBrk="0" hangingPunct="1"/>
+            <a:r>
+              <a:rPr lang="ru-RU" smtClean="0"/>
+              <a:t>Образец текста</a:t>
+            </a:r>
+          </a:p>
+          <a:p>
+            <a:pPr lvl="1" eaLnBrk="1" latinLnBrk="0" hangingPunct="1"/>
+            <a:r>
+              <a:rPr lang="ru-RU" smtClean="0"/>
+              <a:t>Второй уровень</a:t>
+            </a:r>
+          </a:p>
+          <a:p>
+            <a:pPr lvl="2" eaLnBrk="1" latinLnBrk="0" hangingPunct="1"/>
+            <a:r>
+              <a:rPr lang="ru-RU" smtClean="0"/>
+              <a:t>Третий уровень</a:t>
+            </a:r>
+          </a:p>
+          <a:p>
+            <a:pPr lvl="3" eaLnBrk="1" latinLnBrk="0" hangingPunct="1"/>
+            <a:r>
+              <a:rPr lang="ru-RU" smtClean="0"/>
+              <a:t>Четвертый уровень</a:t>
+            </a:r>
+          </a:p>
+          <a:p>
+            <a:pPr lvl="4" eaLnBrk="1" latinLnBrk="0" hangingPunct="1"/>
+            <a:r>
+              <a:rPr lang="ru-RU" smtClean="0"/>
+              <a:t>Пятый уровень</a:t>
+            </a:r>
+            <a:endParaRPr kumimoji="0" lang="en-US"/>
           </a:p>
         </p:txBody>
       </p:sp>
@@ -1847,6 +1938,268 @@
       </p:grpSpPr>
       <p:sp>
         <p:nvSpPr>
+          <p:cNvPr id="9" name="Номер слайда 8"/>
+          <p:cNvSpPr>
+            <a:spLocks noGrp="1"/>
+          </p:cNvSpPr>
+          <p:nvPr>
+            <p:ph type="sldNum" sz="quarter" idx="12"/>
+          </p:nvPr>
+        </p:nvSpPr>
+        <p:spPr/>
+        <p:txBody>
+          <a:bodyPr/>
+          <a:lstStyle/>
+          <a:p>
+            <a:fld id="{A55A9875-8921-4AF5-A7AA-BDFEF3FF5735}" type="slidenum">
+              <a:rPr lang="ru-RU" smtClean="0"/>
+              <a:pPr/>
+              <a:t>‹#›</a:t>
+            </a:fld>
+            <a:endParaRPr lang="ru-RU" dirty="0"/>
+          </a:p>
+        </p:txBody>
+      </p:sp>
+      <p:sp>
+        <p:nvSpPr>
+          <p:cNvPr id="8" name="Нижний колонтитул 7"/>
+          <p:cNvSpPr>
+            <a:spLocks noGrp="1"/>
+          </p:cNvSpPr>
+          <p:nvPr>
+            <p:ph type="ftr" sz="quarter" idx="11"/>
+          </p:nvPr>
+        </p:nvSpPr>
+        <p:spPr/>
+        <p:txBody>
+          <a:bodyPr/>
+          <a:lstStyle/>
+          <a:p>
+            <a:endParaRPr lang="ru-RU" dirty="0"/>
+          </a:p>
+        </p:txBody>
+      </p:sp>
+      <p:sp>
+        <p:nvSpPr>
+          <p:cNvPr id="7" name="Дата 6"/>
+          <p:cNvSpPr>
+            <a:spLocks noGrp="1"/>
+          </p:cNvSpPr>
+          <p:nvPr>
+            <p:ph type="dt" sz="half" idx="10"/>
+          </p:nvPr>
+        </p:nvSpPr>
+        <p:spPr/>
+        <p:txBody>
+          <a:bodyPr/>
+          <a:lstStyle/>
+          <a:p>
+            <a:fld id="{42344BED-61BC-4FD1-856F-E8A67CB721A4}" type="datetimeFigureOut">
+              <a:rPr lang="ru-RU" smtClean="0"/>
+              <a:pPr/>
+              <a:t>28.02.2021</a:t>
+            </a:fld>
+            <a:endParaRPr lang="ru-RU" dirty="0"/>
+          </a:p>
+        </p:txBody>
+      </p:sp>
+      <p:sp>
+        <p:nvSpPr>
+          <p:cNvPr id="3" name="Текст 2"/>
+          <p:cNvSpPr>
+            <a:spLocks noGrp="1"/>
+          </p:cNvSpPr>
+          <p:nvPr>
+            <p:ph type="body" idx="1"/>
+          </p:nvPr>
+        </p:nvSpPr>
+        <p:spPr>
+          <a:xfrm>
+            <a:off x="457200" y="1399593"/>
+            <a:ext cx="4040188" cy="762000"/>
+          </a:xfrm>
+          <a:noFill/>
+          <a:ln w="25400" cap="rnd" cmpd="sng" algn="ctr">
+            <a:noFill/>
+            <a:prstDash val="solid"/>
+          </a:ln>
+          <a:effectLst>
+            <a:softEdge rad="63500"/>
+          </a:effectLst>
+          <a:sp3d prstMaterial="flat"/>
+        </p:spPr>
+        <p:style>
+          <a:lnRef idx="3">
+            <a:schemeClr val="lt1"/>
+          </a:lnRef>
+          <a:fillRef idx="1">
+            <a:schemeClr val="accent5"/>
+          </a:fillRef>
+          <a:effectRef idx="1">
+            <a:schemeClr val="accent5"/>
+          </a:effectRef>
+          <a:fontRef idx="minor">
+            <a:schemeClr val="lt1"/>
+          </a:fontRef>
+        </p:style>
+        <p:txBody>
+          <a:bodyPr lIns="91440" tIns="45720" rIns="91440" bIns="45720" anchor="b">
+            <a:noAutofit/>
+          </a:bodyPr>
+          <a:lstStyle>
+            <a:lvl1pPr marL="0" indent="0" algn="l">
+              <a:spcBef>
+                <a:spcPts val="0"/>
+              </a:spcBef>
+              <a:buNone/>
+              <a:defRPr sz="2600" b="1">
+                <a:solidFill>
+                  <a:schemeClr val="tx2"/>
+                </a:solidFill>
+              </a:defRPr>
+            </a:lvl1pPr>
+            <a:lvl2pPr>
+              <a:buNone/>
+              <a:defRPr sz="2000" b="1"/>
+            </a:lvl2pPr>
+            <a:lvl3pPr>
+              <a:buNone/>
+              <a:defRPr sz="1800" b="1"/>
+            </a:lvl3pPr>
+            <a:lvl4pPr>
+              <a:buNone/>
+              <a:defRPr sz="1600" b="1"/>
+            </a:lvl4pPr>
+            <a:lvl5pPr>
+              <a:buNone/>
+              <a:defRPr sz="1600" b="1"/>
+            </a:lvl5pPr>
+          </a:lstStyle>
+          <a:p>
+            <a:pPr lvl="0" eaLnBrk="1" latinLnBrk="0" hangingPunct="1"/>
+            <a:r>
+              <a:rPr kumimoji="0" lang="ru-RU" smtClean="0"/>
+              <a:t>Образец текста</a:t>
+            </a:r>
+          </a:p>
+        </p:txBody>
+      </p:sp>
+      <p:sp>
+        <p:nvSpPr>
+          <p:cNvPr id="32" name="Содержимое 31"/>
+          <p:cNvSpPr>
+            <a:spLocks noGrp="1"/>
+          </p:cNvSpPr>
+          <p:nvPr>
+            <p:ph sz="half" idx="2"/>
+          </p:nvPr>
+        </p:nvSpPr>
+        <p:spPr>
+          <a:xfrm>
+            <a:off x="457200" y="2201896"/>
+            <a:ext cx="4038600" cy="3913632"/>
+          </a:xfrm>
+        </p:spPr>
+        <p:txBody>
+          <a:bodyPr/>
+          <a:lstStyle/>
+          <a:p>
+            <a:pPr lvl="0" eaLnBrk="1" latinLnBrk="0" hangingPunct="1"/>
+            <a:r>
+              <a:rPr lang="ru-RU" smtClean="0"/>
+              <a:t>Образец текста</a:t>
+            </a:r>
+          </a:p>
+          <a:p>
+            <a:pPr lvl="1" eaLnBrk="1" latinLnBrk="0" hangingPunct="1"/>
+            <a:r>
+              <a:rPr lang="ru-RU" smtClean="0"/>
+              <a:t>Второй уровень</a:t>
+            </a:r>
+          </a:p>
+          <a:p>
+            <a:pPr lvl="2" eaLnBrk="1" latinLnBrk="0" hangingPunct="1"/>
+            <a:r>
+              <a:rPr lang="ru-RU" smtClean="0"/>
+              <a:t>Третий уровень</a:t>
+            </a:r>
+          </a:p>
+          <a:p>
+            <a:pPr lvl="3" eaLnBrk="1" latinLnBrk="0" hangingPunct="1"/>
+            <a:r>
+              <a:rPr lang="ru-RU" smtClean="0"/>
+              <a:t>Четвертый уровень</a:t>
+            </a:r>
+          </a:p>
+          <a:p>
+            <a:pPr lvl="4" eaLnBrk="1" latinLnBrk="0" hangingPunct="1"/>
+            <a:r>
+              <a:rPr lang="ru-RU" smtClean="0"/>
+              <a:t>Пятый уровень</a:t>
+            </a:r>
+            <a:endParaRPr kumimoji="0" lang="en-US"/>
+          </a:p>
+        </p:txBody>
+      </p:sp>
+      <p:sp>
+        <p:nvSpPr>
+          <p:cNvPr id="34" name="Содержимое 33"/>
+          <p:cNvSpPr>
+            <a:spLocks noGrp="1"/>
+          </p:cNvSpPr>
+          <p:nvPr>
+            <p:ph sz="quarter" idx="4"/>
+          </p:nvPr>
+        </p:nvSpPr>
+        <p:spPr>
+          <a:xfrm>
+            <a:off x="4649788" y="2201896"/>
+            <a:ext cx="4038600" cy="3913632"/>
+          </a:xfrm>
+        </p:spPr>
+        <p:txBody>
+          <a:bodyPr/>
+          <a:lstStyle/>
+          <a:p>
+            <a:pPr lvl="0" eaLnBrk="1" latinLnBrk="0" hangingPunct="1"/>
+            <a:r>
+              <a:rPr lang="ru-RU" smtClean="0"/>
+              <a:t>Образец текста</a:t>
+            </a:r>
+          </a:p>
+          <a:p>
+            <a:pPr lvl="1" eaLnBrk="1" latinLnBrk="0" hangingPunct="1"/>
+            <a:r>
+              <a:rPr lang="ru-RU" smtClean="0"/>
+              <a:t>Второй уровень</a:t>
+            </a:r>
+          </a:p>
+          <a:p>
+            <a:pPr lvl="2" eaLnBrk="1" latinLnBrk="0" hangingPunct="1"/>
+            <a:r>
+              <a:rPr lang="ru-RU" smtClean="0"/>
+              <a:t>Третий уровень</a:t>
+            </a:r>
+          </a:p>
+          <a:p>
+            <a:pPr lvl="3" eaLnBrk="1" latinLnBrk="0" hangingPunct="1"/>
+            <a:r>
+              <a:rPr lang="ru-RU" smtClean="0"/>
+              <a:t>Четвертый уровень</a:t>
+            </a:r>
+          </a:p>
+          <a:p>
+            <a:pPr lvl="4" eaLnBrk="1" latinLnBrk="0" hangingPunct="1"/>
+            <a:r>
+              <a:rPr lang="ru-RU" smtClean="0"/>
+              <a:t>Пятый уровень</a:t>
+            </a:r>
+            <a:endParaRPr kumimoji="0" lang="en-US"/>
+          </a:p>
+        </p:txBody>
+      </p:sp>
+      <p:sp>
+        <p:nvSpPr>
           <p:cNvPr id="2" name="Заголовок 1"/>
           <p:cNvSpPr>
             <a:spLocks noGrp="1"/>
@@ -1855,9 +2208,14 @@
             <p:ph type="title"/>
           </p:nvPr>
         </p:nvSpPr>
-        <p:spPr/>
-        <p:txBody>
-          <a:bodyPr/>
+        <p:spPr>
+          <a:xfrm>
+            <a:off x="457200" y="155448"/>
+            <a:ext cx="8229600" cy="1143000"/>
+          </a:xfrm>
+        </p:spPr>
+        <p:txBody>
+          <a:bodyPr anchor="b" anchorCtr="0"/>
           <a:lstStyle>
             <a:lvl1pPr>
               <a:defRPr/>
@@ -1865,380 +2223,185 @@
           </a:lstStyle>
           <a:p>
             <a:r>
-              <a:rPr lang="ru-RU" smtClean="0"/>
+              <a:rPr kumimoji="0" lang="ru-RU" smtClean="0"/>
               <a:t>Образец заголовка</a:t>
             </a:r>
-            <a:endParaRPr lang="ru-RU"/>
-          </a:p>
-        </p:txBody>
-      </p:sp>
-      <p:sp>
-        <p:nvSpPr>
-          <p:cNvPr id="3" name="Текст 2"/>
-          <p:cNvSpPr>
-            <a:spLocks noGrp="1"/>
-          </p:cNvSpPr>
-          <p:nvPr>
-            <p:ph type="body" idx="1"/>
+            <a:endParaRPr kumimoji="0" lang="en-US"/>
+          </a:p>
+        </p:txBody>
+      </p:sp>
+      <p:sp>
+        <p:nvSpPr>
+          <p:cNvPr id="12" name="Текст 11"/>
+          <p:cNvSpPr>
+            <a:spLocks noGrp="1"/>
+          </p:cNvSpPr>
+          <p:nvPr>
+            <p:ph type="body" idx="3"/>
           </p:nvPr>
         </p:nvSpPr>
         <p:spPr>
           <a:xfrm>
-            <a:off x="457200" y="1535113"/>
-            <a:ext cx="4040188" cy="639762"/>
-          </a:xfrm>
-        </p:spPr>
-        <p:txBody>
-          <a:bodyPr anchor="b"/>
+            <a:off x="4648200" y="1399593"/>
+            <a:ext cx="4040188" cy="762000"/>
+          </a:xfrm>
+          <a:noFill/>
+          <a:ln w="25400" cap="rnd" cmpd="sng" algn="ctr">
+            <a:noFill/>
+            <a:prstDash val="solid"/>
+          </a:ln>
+          <a:effectLst>
+            <a:softEdge rad="63500"/>
+          </a:effectLst>
+        </p:spPr>
+        <p:style>
+          <a:lnRef idx="3">
+            <a:schemeClr val="lt1"/>
+          </a:lnRef>
+          <a:fillRef idx="1">
+            <a:schemeClr val="accent5"/>
+          </a:fillRef>
+          <a:effectRef idx="1">
+            <a:schemeClr val="accent5"/>
+          </a:effectRef>
+          <a:fontRef idx="minor">
+            <a:schemeClr val="lt1"/>
+          </a:fontRef>
+        </p:style>
+        <p:txBody>
+          <a:bodyPr lIns="91440" tIns="45720" rIns="91440" bIns="45720" anchor="b">
+            <a:noAutofit/>
+          </a:bodyPr>
           <a:lstStyle>
-            <a:lvl1pPr marL="0" indent="0">
+            <a:lvl1pPr marL="0" indent="0" algn="l">
+              <a:spcBef>
+                <a:spcPts val="0"/>
+              </a:spcBef>
               <a:buNone/>
-              <a:defRPr sz="2400" b="1"/>
+              <a:defRPr sz="2600" b="1" baseline="0">
+                <a:solidFill>
+                  <a:schemeClr val="tx2"/>
+                </a:solidFill>
+              </a:defRPr>
             </a:lvl1pPr>
-            <a:lvl2pPr marL="457200" indent="0">
+            <a:lvl2pPr>
               <a:buNone/>
               <a:defRPr sz="2000" b="1"/>
             </a:lvl2pPr>
-            <a:lvl3pPr marL="914400" indent="0">
+            <a:lvl3pPr>
               <a:buNone/>
               <a:defRPr sz="1800" b="1"/>
             </a:lvl3pPr>
-            <a:lvl4pPr marL="1371600" indent="0">
+            <a:lvl4pPr>
               <a:buNone/>
               <a:defRPr sz="1600" b="1"/>
             </a:lvl4pPr>
-            <a:lvl5pPr marL="1828800" indent="0">
+            <a:lvl5pPr>
               <a:buNone/>
               <a:defRPr sz="1600" b="1"/>
             </a:lvl5pPr>
-            <a:lvl6pPr marL="2286000" indent="0">
-              <a:buNone/>
-              <a:defRPr sz="1600" b="1"/>
-            </a:lvl6pPr>
-            <a:lvl7pPr marL="2743200" indent="0">
-              <a:buNone/>
-              <a:defRPr sz="1600" b="1"/>
-            </a:lvl7pPr>
-            <a:lvl8pPr marL="3200400" indent="0">
-              <a:buNone/>
-              <a:defRPr sz="1600" b="1"/>
-            </a:lvl8pPr>
-            <a:lvl9pPr marL="3657600" indent="0">
-              <a:buNone/>
-              <a:defRPr sz="1600" b="1"/>
-            </a:lvl9pPr>
           </a:lstStyle>
           <a:p>
-            <a:pPr lvl="0"/>
-            <a:r>
-              <a:rPr lang="ru-RU" smtClean="0"/>
+            <a:pPr lvl="0" eaLnBrk="1" latinLnBrk="0" hangingPunct="1"/>
+            <a:r>
+              <a:rPr kumimoji="0" lang="ru-RU" smtClean="0"/>
               <a:t>Образец текста</a:t>
             </a:r>
           </a:p>
         </p:txBody>
       </p:sp>
-      <p:sp>
-        <p:nvSpPr>
-          <p:cNvPr id="4" name="Содержимое 3"/>
-          <p:cNvSpPr>
-            <a:spLocks noGrp="1"/>
-          </p:cNvSpPr>
-          <p:nvPr>
-            <p:ph sz="half" idx="2"/>
-          </p:nvPr>
-        </p:nvSpPr>
+      <p:cxnSp>
+        <p:nvCxnSpPr>
+          <p:cNvPr id="10" name="Прямая соединительная линия 9"/>
+          <p:cNvCxnSpPr/>
+          <p:nvPr/>
+        </p:nvCxnSpPr>
         <p:spPr>
           <a:xfrm>
-            <a:off x="457200" y="2174875"/>
-            <a:ext cx="4040188" cy="3951288"/>
-          </a:xfrm>
-        </p:spPr>
-        <p:txBody>
-          <a:bodyPr/>
-          <a:lstStyle>
-            <a:lvl1pPr>
-              <a:defRPr sz="2400"/>
-            </a:lvl1pPr>
-            <a:lvl2pPr>
-              <a:defRPr sz="2000"/>
-            </a:lvl2pPr>
-            <a:lvl3pPr>
-              <a:defRPr sz="1800"/>
-            </a:lvl3pPr>
-            <a:lvl4pPr>
-              <a:defRPr sz="1600"/>
-            </a:lvl4pPr>
-            <a:lvl5pPr>
-              <a:defRPr sz="1600"/>
-            </a:lvl5pPr>
-            <a:lvl6pPr>
-              <a:defRPr sz="1600"/>
-            </a:lvl6pPr>
-            <a:lvl7pPr>
-              <a:defRPr sz="1600"/>
-            </a:lvl7pPr>
-            <a:lvl8pPr>
-              <a:defRPr sz="1600"/>
-            </a:lvl8pPr>
-            <a:lvl9pPr>
-              <a:defRPr sz="1600"/>
-            </a:lvl9pPr>
-          </a:lstStyle>
-          <a:p>
-            <a:pPr lvl="0"/>
-            <a:r>
-              <a:rPr lang="ru-RU" smtClean="0"/>
-              <a:t>Образец текста</a:t>
-            </a:r>
-          </a:p>
-          <a:p>
-            <a:pPr lvl="1"/>
-            <a:r>
-              <a:rPr lang="ru-RU" smtClean="0"/>
-              <a:t>Второй уровень</a:t>
-            </a:r>
-          </a:p>
-          <a:p>
-            <a:pPr lvl="2"/>
-            <a:r>
-              <a:rPr lang="ru-RU" smtClean="0"/>
-              <a:t>Третий уровень</a:t>
-            </a:r>
-          </a:p>
-          <a:p>
-            <a:pPr lvl="3"/>
-            <a:r>
-              <a:rPr lang="ru-RU" smtClean="0"/>
-              <a:t>Четвертый уровень</a:t>
-            </a:r>
-          </a:p>
-          <a:p>
-            <a:pPr lvl="4"/>
-            <a:r>
-              <a:rPr lang="ru-RU" smtClean="0"/>
-              <a:t>Пятый уровень</a:t>
-            </a:r>
-            <a:endParaRPr lang="ru-RU"/>
-          </a:p>
-        </p:txBody>
-      </p:sp>
-      <p:sp>
-        <p:nvSpPr>
-          <p:cNvPr id="5" name="Текст 4"/>
-          <p:cNvSpPr>
-            <a:spLocks noGrp="1"/>
-          </p:cNvSpPr>
-          <p:nvPr>
-            <p:ph type="body" sz="quarter" idx="3"/>
-          </p:nvPr>
-        </p:nvSpPr>
+            <a:off x="562945" y="2180219"/>
+            <a:ext cx="3749040" cy="1588"/>
+          </a:xfrm>
+          <a:prstGeom prst="line">
+            <a:avLst/>
+          </a:prstGeom>
+          <a:noFill/>
+          <a:ln w="12700" cap="flat" cmpd="sng" algn="ctr">
+            <a:solidFill>
+              <a:schemeClr val="bg2">
+                <a:tint val="20000"/>
+              </a:schemeClr>
+            </a:solidFill>
+            <a:prstDash val="solid"/>
+          </a:ln>
+          <a:effectLst>
+            <a:outerShdw blurRad="34925" dir="2700000" algn="tl" rotWithShape="0">
+              <a:srgbClr val="000000">
+                <a:alpha val="55000"/>
+              </a:srgbClr>
+            </a:outerShdw>
+          </a:effectLst>
+        </p:spPr>
+        <p:style>
+          <a:lnRef idx="1">
+            <a:schemeClr val="accent1"/>
+          </a:lnRef>
+          <a:fillRef idx="0">
+            <a:schemeClr val="accent1"/>
+          </a:fillRef>
+          <a:effectRef idx="0">
+            <a:schemeClr val="accent1"/>
+          </a:effectRef>
+          <a:fontRef idx="minor">
+            <a:schemeClr val="tx1"/>
+          </a:fontRef>
+        </p:style>
+      </p:cxnSp>
+      <p:cxnSp>
+        <p:nvCxnSpPr>
+          <p:cNvPr id="17" name="Прямая соединительная линия 16"/>
+          <p:cNvCxnSpPr/>
+          <p:nvPr/>
+        </p:nvCxnSpPr>
         <p:spPr>
           <a:xfrm>
-            <a:off x="4645025" y="1535113"/>
-            <a:ext cx="4041775" cy="639762"/>
-          </a:xfrm>
-        </p:spPr>
-        <p:txBody>
-          <a:bodyPr anchor="b"/>
-          <a:lstStyle>
-            <a:lvl1pPr marL="0" indent="0">
-              <a:buNone/>
-              <a:defRPr sz="2400" b="1"/>
-            </a:lvl1pPr>
-            <a:lvl2pPr marL="457200" indent="0">
-              <a:buNone/>
-              <a:defRPr sz="2000" b="1"/>
-            </a:lvl2pPr>
-            <a:lvl3pPr marL="914400" indent="0">
-              <a:buNone/>
-              <a:defRPr sz="1800" b="1"/>
-            </a:lvl3pPr>
-            <a:lvl4pPr marL="1371600" indent="0">
-              <a:buNone/>
-              <a:defRPr sz="1600" b="1"/>
-            </a:lvl4pPr>
-            <a:lvl5pPr marL="1828800" indent="0">
-              <a:buNone/>
-              <a:defRPr sz="1600" b="1"/>
-            </a:lvl5pPr>
-            <a:lvl6pPr marL="2286000" indent="0">
-              <a:buNone/>
-              <a:defRPr sz="1600" b="1"/>
-            </a:lvl6pPr>
-            <a:lvl7pPr marL="2743200" indent="0">
-              <a:buNone/>
-              <a:defRPr sz="1600" b="1"/>
-            </a:lvl7pPr>
-            <a:lvl8pPr marL="3200400" indent="0">
-              <a:buNone/>
-              <a:defRPr sz="1600" b="1"/>
-            </a:lvl8pPr>
-            <a:lvl9pPr marL="3657600" indent="0">
-              <a:buNone/>
-              <a:defRPr sz="1600" b="1"/>
-            </a:lvl9pPr>
-          </a:lstStyle>
-          <a:p>
-            <a:pPr lvl="0"/>
-            <a:r>
-              <a:rPr lang="ru-RU" smtClean="0"/>
-              <a:t>Образец текста</a:t>
-            </a:r>
-          </a:p>
-        </p:txBody>
-      </p:sp>
-      <p:sp>
-        <p:nvSpPr>
-          <p:cNvPr id="6" name="Содержимое 5"/>
-          <p:cNvSpPr>
-            <a:spLocks noGrp="1"/>
-          </p:cNvSpPr>
-          <p:nvPr>
-            <p:ph sz="quarter" idx="4"/>
-          </p:nvPr>
-        </p:nvSpPr>
-        <p:spPr>
-          <a:xfrm>
-            <a:off x="4645025" y="2174875"/>
-            <a:ext cx="4041775" cy="3951288"/>
-          </a:xfrm>
-        </p:spPr>
-        <p:txBody>
-          <a:bodyPr/>
-          <a:lstStyle>
-            <a:lvl1pPr>
-              <a:defRPr sz="2400"/>
-            </a:lvl1pPr>
-            <a:lvl2pPr>
-              <a:defRPr sz="2000"/>
-            </a:lvl2pPr>
-            <a:lvl3pPr>
-              <a:defRPr sz="1800"/>
-            </a:lvl3pPr>
-            <a:lvl4pPr>
-              <a:defRPr sz="1600"/>
-            </a:lvl4pPr>
-            <a:lvl5pPr>
-              <a:defRPr sz="1600"/>
-            </a:lvl5pPr>
-            <a:lvl6pPr>
-              <a:defRPr sz="1600"/>
-            </a:lvl6pPr>
-            <a:lvl7pPr>
-              <a:defRPr sz="1600"/>
-            </a:lvl7pPr>
-            <a:lvl8pPr>
-              <a:defRPr sz="1600"/>
-            </a:lvl8pPr>
-            <a:lvl9pPr>
-              <a:defRPr sz="1600"/>
-            </a:lvl9pPr>
-          </a:lstStyle>
-          <a:p>
-            <a:pPr lvl="0"/>
-            <a:r>
-              <a:rPr lang="ru-RU" smtClean="0"/>
-              <a:t>Образец текста</a:t>
-            </a:r>
-          </a:p>
-          <a:p>
-            <a:pPr lvl="1"/>
-            <a:r>
-              <a:rPr lang="ru-RU" smtClean="0"/>
-              <a:t>Второй уровень</a:t>
-            </a:r>
-          </a:p>
-          <a:p>
-            <a:pPr lvl="2"/>
-            <a:r>
-              <a:rPr lang="ru-RU" smtClean="0"/>
-              <a:t>Третий уровень</a:t>
-            </a:r>
-          </a:p>
-          <a:p>
-            <a:pPr lvl="3"/>
-            <a:r>
-              <a:rPr lang="ru-RU" smtClean="0"/>
-              <a:t>Четвертый уровень</a:t>
-            </a:r>
-          </a:p>
-          <a:p>
-            <a:pPr lvl="4"/>
-            <a:r>
-              <a:rPr lang="ru-RU" smtClean="0"/>
-              <a:t>Пятый уровень</a:t>
-            </a:r>
-            <a:endParaRPr lang="ru-RU"/>
-          </a:p>
-        </p:txBody>
-      </p:sp>
-      <p:sp>
-        <p:nvSpPr>
-          <p:cNvPr id="7" name="Дата 6"/>
-          <p:cNvSpPr>
-            <a:spLocks noGrp="1"/>
-          </p:cNvSpPr>
-          <p:nvPr>
-            <p:ph type="dt" sz="half" idx="10"/>
-          </p:nvPr>
-        </p:nvSpPr>
-        <p:spPr/>
-        <p:txBody>
-          <a:bodyPr/>
-          <a:lstStyle/>
-          <a:p>
-            <a:fld id="{42344BED-61BC-4FD1-856F-E8A67CB721A4}" type="datetimeFigureOut">
-              <a:rPr lang="ru-RU" smtClean="0"/>
-              <a:pPr/>
-              <a:t>28.02.2021</a:t>
-            </a:fld>
-            <a:endParaRPr lang="ru-RU" dirty="0"/>
-          </a:p>
-        </p:txBody>
-      </p:sp>
-      <p:sp>
-        <p:nvSpPr>
-          <p:cNvPr id="8" name="Нижний колонтитул 7"/>
-          <p:cNvSpPr>
-            <a:spLocks noGrp="1"/>
-          </p:cNvSpPr>
-          <p:nvPr>
-            <p:ph type="ftr" sz="quarter" idx="11"/>
-          </p:nvPr>
-        </p:nvSpPr>
-        <p:spPr/>
-        <p:txBody>
-          <a:bodyPr/>
-          <a:lstStyle/>
-          <a:p>
-            <a:endParaRPr lang="ru-RU" dirty="0"/>
-          </a:p>
-        </p:txBody>
-      </p:sp>
-      <p:sp>
-        <p:nvSpPr>
-          <p:cNvPr id="9" name="Номер слайда 8"/>
-          <p:cNvSpPr>
-            <a:spLocks noGrp="1"/>
-          </p:cNvSpPr>
-          <p:nvPr>
-            <p:ph type="sldNum" sz="quarter" idx="12"/>
-          </p:nvPr>
-        </p:nvSpPr>
-        <p:spPr/>
-        <p:txBody>
-          <a:bodyPr/>
-          <a:lstStyle/>
-          <a:p>
-            <a:fld id="{A55A9875-8921-4AF5-A7AA-BDFEF3FF5735}" type="slidenum">
-              <a:rPr lang="ru-RU" smtClean="0"/>
-              <a:pPr/>
-              <a:t>‹#›</a:t>
-            </a:fld>
-            <a:endParaRPr lang="ru-RU" dirty="0"/>
-          </a:p>
-        </p:txBody>
-      </p:sp>
+            <a:off x="4754880" y="2180219"/>
+            <a:ext cx="3749040" cy="1588"/>
+          </a:xfrm>
+          <a:prstGeom prst="line">
+            <a:avLst/>
+          </a:prstGeom>
+          <a:noFill/>
+          <a:ln w="12700" cap="flat" cmpd="sng" algn="ctr">
+            <a:solidFill>
+              <a:schemeClr val="bg2">
+                <a:tint val="20000"/>
+              </a:schemeClr>
+            </a:solidFill>
+            <a:prstDash val="solid"/>
+          </a:ln>
+          <a:effectLst>
+            <a:outerShdw blurRad="34925" dir="2700000" algn="tl" rotWithShape="0">
+              <a:srgbClr val="000000">
+                <a:alpha val="55000"/>
+              </a:srgbClr>
+            </a:outerShdw>
+          </a:effectLst>
+        </p:spPr>
+        <p:style>
+          <a:lnRef idx="1">
+            <a:schemeClr val="accent1"/>
+          </a:lnRef>
+          <a:fillRef idx="0">
+            <a:schemeClr val="accent1"/>
+          </a:fillRef>
+          <a:effectRef idx="0">
+            <a:schemeClr val="accent1"/>
+          </a:effectRef>
+          <a:fontRef idx="minor">
+            <a:schemeClr val="tx1"/>
+          </a:fontRef>
+        </p:style>
+      </p:cxnSp>
     </p:spTree>
   </p:cSld>
   <p:clrMapOvr>
@@ -2266,29 +2429,6 @@
       </p:grpSpPr>
       <p:sp>
         <p:nvSpPr>
-          <p:cNvPr id="2" name="Заголовок 1"/>
-          <p:cNvSpPr>
-            <a:spLocks noGrp="1"/>
-          </p:cNvSpPr>
-          <p:nvPr>
-            <p:ph type="title"/>
-          </p:nvPr>
-        </p:nvSpPr>
-        <p:spPr/>
-        <p:txBody>
-          <a:bodyPr/>
-          <a:lstStyle/>
-          <a:p>
-            <a:r>
-              <a:rPr lang="ru-RU" smtClean="0"/>
-              <a:t>Образец заголовка</a:t>
-            </a:r>
-            <a:endParaRPr lang="ru-RU"/>
-          </a:p>
-        </p:txBody>
-      </p:sp>
-      <p:sp>
-        <p:nvSpPr>
           <p:cNvPr id="3" name="Дата 2"/>
           <p:cNvSpPr>
             <a:spLocks noGrp="1"/>
@@ -2351,6 +2491,29 @@
               <a:t>‹#›</a:t>
             </a:fld>
             <a:endParaRPr lang="ru-RU" dirty="0"/>
+          </a:p>
+        </p:txBody>
+      </p:sp>
+      <p:sp>
+        <p:nvSpPr>
+          <p:cNvPr id="2" name="Заголовок 1"/>
+          <p:cNvSpPr>
+            <a:spLocks noGrp="1"/>
+          </p:cNvSpPr>
+          <p:nvPr>
+            <p:ph type="title"/>
+          </p:nvPr>
+        </p:nvSpPr>
+        <p:spPr/>
+        <p:txBody>
+          <a:bodyPr/>
+          <a:lstStyle/>
+          <a:p>
+            <a:r>
+              <a:rPr kumimoji="0" lang="ru-RU" smtClean="0"/>
+              <a:t>Образец заголовка</a:t>
+            </a:r>
+            <a:endParaRPr kumimoji="0" lang="en-US"/>
           </a:p>
         </p:txBody>
       </p:sp>
@@ -2455,7 +2618,7 @@
 </file>
 
 <file path=ppt/slideLayouts/slideLayout8.xml><?xml version="1.0" encoding="utf-8"?>
-<p:sldLayout xmlns:a="http://schemas.openxmlformats.org/drawingml/2006/main" xmlns:r="http://schemas.openxmlformats.org/officeDocument/2006/relationships" xmlns:p="http://schemas.openxmlformats.org/presentationml/2006/main" type="objTx" preserve="1">
+<p:sldLayout xmlns:a="http://schemas.openxmlformats.org/drawingml/2006/main" xmlns:r="http://schemas.openxmlformats.org/officeDocument/2006/relationships" xmlns:p="http://schemas.openxmlformats.org/presentationml/2006/main" showMasterSp="0" type="objTx" preserve="1">
   <p:cSld name="Объект с подписью">
     <p:spTree>
       <p:nvGrpSpPr>
@@ -2473,194 +2636,172 @@
       </p:grpSpPr>
       <p:sp>
         <p:nvSpPr>
-          <p:cNvPr id="2" name="Заголовок 1"/>
-          <p:cNvSpPr>
-            <a:spLocks noGrp="1"/>
-          </p:cNvSpPr>
-          <p:nvPr>
-            <p:ph type="title"/>
+          <p:cNvPr id="29" name="Содержимое 28"/>
+          <p:cNvSpPr>
+            <a:spLocks noGrp="1"/>
+          </p:cNvSpPr>
+          <p:nvPr>
+            <p:ph sz="quarter" idx="1"/>
           </p:nvPr>
         </p:nvSpPr>
         <p:spPr>
           <a:xfrm>
-            <a:off x="457200" y="273050"/>
-            <a:ext cx="3008313" cy="1162050"/>
-          </a:xfrm>
-        </p:spPr>
-        <p:txBody>
-          <a:bodyPr anchor="b"/>
+            <a:off x="457200" y="457200"/>
+            <a:ext cx="6248400" cy="5715000"/>
+          </a:xfrm>
+        </p:spPr>
+        <p:txBody>
+          <a:bodyPr/>
+          <a:lstStyle/>
+          <a:p>
+            <a:pPr lvl="0" eaLnBrk="1" latinLnBrk="0" hangingPunct="1"/>
+            <a:r>
+              <a:rPr lang="ru-RU" smtClean="0"/>
+              <a:t>Образец текста</a:t>
+            </a:r>
+          </a:p>
+          <a:p>
+            <a:pPr lvl="1" eaLnBrk="1" latinLnBrk="0" hangingPunct="1"/>
+            <a:r>
+              <a:rPr lang="ru-RU" smtClean="0"/>
+              <a:t>Второй уровень</a:t>
+            </a:r>
+          </a:p>
+          <a:p>
+            <a:pPr lvl="2" eaLnBrk="1" latinLnBrk="0" hangingPunct="1"/>
+            <a:r>
+              <a:rPr lang="ru-RU" smtClean="0"/>
+              <a:t>Третий уровень</a:t>
+            </a:r>
+          </a:p>
+          <a:p>
+            <a:pPr lvl="3" eaLnBrk="1" latinLnBrk="0" hangingPunct="1"/>
+            <a:r>
+              <a:rPr lang="ru-RU" smtClean="0"/>
+              <a:t>Четвертый уровень</a:t>
+            </a:r>
+          </a:p>
+          <a:p>
+            <a:pPr lvl="4" eaLnBrk="1" latinLnBrk="0" hangingPunct="1"/>
+            <a:r>
+              <a:rPr lang="ru-RU" smtClean="0"/>
+              <a:t>Пятый уровень</a:t>
+            </a:r>
+            <a:endParaRPr kumimoji="0" lang="en-US"/>
+          </a:p>
+        </p:txBody>
+      </p:sp>
+      <p:sp>
+        <p:nvSpPr>
+          <p:cNvPr id="3" name="Текст 2"/>
+          <p:cNvSpPr>
+            <a:spLocks noGrp="1"/>
+          </p:cNvSpPr>
+          <p:nvPr>
+            <p:ph type="body" idx="2"/>
+          </p:nvPr>
+        </p:nvSpPr>
+        <p:spPr>
+          <a:xfrm>
+            <a:off x="6781800" y="1600200"/>
+            <a:ext cx="1984248" cy="3733800"/>
+          </a:xfrm>
+        </p:spPr>
+        <p:txBody>
+          <a:bodyPr tIns="45720" bIns="45720" anchor="t" anchorCtr="0"/>
           <a:lstStyle>
-            <a:lvl1pPr algn="l">
-              <a:defRPr sz="2000" b="1"/>
-            </a:lvl1pPr>
-          </a:lstStyle>
-          <a:p>
-            <a:r>
-              <a:rPr lang="ru-RU" smtClean="0"/>
-              <a:t>Образец заголовка</a:t>
-            </a:r>
-            <a:endParaRPr lang="ru-RU"/>
-          </a:p>
-        </p:txBody>
-      </p:sp>
-      <p:sp>
-        <p:nvSpPr>
-          <p:cNvPr id="3" name="Содержимое 2"/>
-          <p:cNvSpPr>
-            <a:spLocks noGrp="1"/>
-          </p:cNvSpPr>
-          <p:nvPr>
-            <p:ph idx="1"/>
-          </p:nvPr>
-        </p:nvSpPr>
-        <p:spPr>
-          <a:xfrm>
-            <a:off x="3575050" y="273050"/>
-            <a:ext cx="5111750" cy="5853113"/>
-          </a:xfrm>
-        </p:spPr>
-        <p:txBody>
-          <a:bodyPr/>
-          <a:lstStyle>
-            <a:lvl1pPr>
-              <a:defRPr sz="3200"/>
+            <a:lvl1pPr marL="0" indent="0">
+              <a:lnSpc>
+                <a:spcPct val="125000"/>
+              </a:lnSpc>
+              <a:spcAft>
+                <a:spcPts val="1000"/>
+              </a:spcAft>
+              <a:buNone/>
+              <a:defRPr sz="1600">
+                <a:solidFill>
+                  <a:schemeClr val="tx2"/>
+                </a:solidFill>
+              </a:defRPr>
             </a:lvl1pPr>
             <a:lvl2pPr>
-              <a:defRPr sz="2800"/>
-            </a:lvl2pPr>
-            <a:lvl3pPr>
-              <a:defRPr sz="2400"/>
-            </a:lvl3pPr>
-            <a:lvl4pPr>
-              <a:defRPr sz="2000"/>
-            </a:lvl4pPr>
-            <a:lvl5pPr>
-              <a:defRPr sz="2000"/>
-            </a:lvl5pPr>
-            <a:lvl6pPr>
-              <a:defRPr sz="2000"/>
-            </a:lvl6pPr>
-            <a:lvl7pPr>
-              <a:defRPr sz="2000"/>
-            </a:lvl7pPr>
-            <a:lvl8pPr>
-              <a:defRPr sz="2000"/>
-            </a:lvl8pPr>
-            <a:lvl9pPr>
-              <a:defRPr sz="2000"/>
-            </a:lvl9pPr>
-          </a:lstStyle>
-          <a:p>
-            <a:pPr lvl="0"/>
-            <a:r>
-              <a:rPr lang="ru-RU" smtClean="0"/>
-              <a:t>Образец текста</a:t>
-            </a:r>
-          </a:p>
-          <a:p>
-            <a:pPr lvl="1"/>
-            <a:r>
-              <a:rPr lang="ru-RU" smtClean="0"/>
-              <a:t>Второй уровень</a:t>
-            </a:r>
-          </a:p>
-          <a:p>
-            <a:pPr lvl="2"/>
-            <a:r>
-              <a:rPr lang="ru-RU" smtClean="0"/>
-              <a:t>Третий уровень</a:t>
-            </a:r>
-          </a:p>
-          <a:p>
-            <a:pPr lvl="3"/>
-            <a:r>
-              <a:rPr lang="ru-RU" smtClean="0"/>
-              <a:t>Четвертый уровень</a:t>
-            </a:r>
-          </a:p>
-          <a:p>
-            <a:pPr lvl="4"/>
-            <a:r>
-              <a:rPr lang="ru-RU" smtClean="0"/>
-              <a:t>Пятый уровень</a:t>
-            </a:r>
-            <a:endParaRPr lang="ru-RU"/>
-          </a:p>
-        </p:txBody>
-      </p:sp>
-      <p:sp>
-        <p:nvSpPr>
-          <p:cNvPr id="4" name="Текст 3"/>
-          <p:cNvSpPr>
-            <a:spLocks noGrp="1"/>
-          </p:cNvSpPr>
-          <p:nvPr>
-            <p:ph type="body" sz="half" idx="2"/>
-          </p:nvPr>
-        </p:nvSpPr>
-        <p:spPr>
-          <a:xfrm>
-            <a:off x="457200" y="1435100"/>
-            <a:ext cx="3008313" cy="4691063"/>
-          </a:xfrm>
-        </p:spPr>
-        <p:txBody>
-          <a:bodyPr/>
-          <a:lstStyle>
-            <a:lvl1pPr marL="0" indent="0">
-              <a:buNone/>
-              <a:defRPr sz="1400"/>
-            </a:lvl1pPr>
-            <a:lvl2pPr marL="457200" indent="0">
               <a:buNone/>
               <a:defRPr sz="1200"/>
             </a:lvl2pPr>
-            <a:lvl3pPr marL="914400" indent="0">
+            <a:lvl3pPr>
               <a:buNone/>
               <a:defRPr sz="1000"/>
             </a:lvl3pPr>
-            <a:lvl4pPr marL="1371600" indent="0">
+            <a:lvl4pPr>
               <a:buNone/>
               <a:defRPr sz="900"/>
             </a:lvl4pPr>
-            <a:lvl5pPr marL="1828800" indent="0">
+            <a:lvl5pPr>
               <a:buNone/>
               <a:defRPr sz="900"/>
             </a:lvl5pPr>
-            <a:lvl6pPr marL="2286000" indent="0">
+          </a:lstStyle>
+          <a:p>
+            <a:pPr lvl="0" eaLnBrk="1" latinLnBrk="0" hangingPunct="1"/>
+            <a:r>
+              <a:rPr kumimoji="0" lang="ru-RU" smtClean="0"/>
+              <a:t>Образец текста</a:t>
+            </a:r>
+          </a:p>
+        </p:txBody>
+      </p:sp>
+      <p:sp>
+        <p:nvSpPr>
+          <p:cNvPr id="31" name="Заголовок 30"/>
+          <p:cNvSpPr>
+            <a:spLocks noGrp="1"/>
+          </p:cNvSpPr>
+          <p:nvPr>
+            <p:ph type="title"/>
+          </p:nvPr>
+        </p:nvSpPr>
+        <p:spPr>
+          <a:xfrm>
+            <a:off x="6781800" y="457200"/>
+            <a:ext cx="1981200" cy="1066800"/>
+          </a:xfrm>
+        </p:spPr>
+        <p:txBody>
+          <a:bodyPr lIns="91440" tIns="91440" anchor="b" anchorCtr="0"/>
+          <a:lstStyle>
+            <a:lvl1pPr algn="l">
               <a:buNone/>
-              <a:defRPr sz="900"/>
-            </a:lvl6pPr>
-            <a:lvl7pPr marL="2743200" indent="0">
-              <a:buNone/>
-              <a:defRPr sz="900"/>
-            </a:lvl7pPr>
-            <a:lvl8pPr marL="3200400" indent="0">
-              <a:buNone/>
-              <a:defRPr sz="900"/>
-            </a:lvl8pPr>
-            <a:lvl9pPr marL="3657600" indent="0">
-              <a:buNone/>
-              <a:defRPr sz="900"/>
-            </a:lvl9pPr>
+              <a:defRPr sz="1800" b="1" spc="-50" baseline="0">
+                <a:ln w="3175">
+                  <a:noFill/>
+                </a:ln>
+                <a:solidFill>
+                  <a:schemeClr val="tx2"/>
+                </a:solidFill>
+                <a:effectLst/>
+                <a:latin typeface="+mn-lt"/>
+                <a:ea typeface="+mn-ea"/>
+                <a:cs typeface="+mn-cs"/>
+              </a:defRPr>
+            </a:lvl1pPr>
           </a:lstStyle>
           <a:p>
-            <a:pPr lvl="0"/>
-            <a:r>
-              <a:rPr lang="ru-RU" smtClean="0"/>
-              <a:t>Образец текста</a:t>
-            </a:r>
-          </a:p>
-        </p:txBody>
-      </p:sp>
-      <p:sp>
-        <p:nvSpPr>
-          <p:cNvPr id="5" name="Дата 4"/>
-          <p:cNvSpPr>
-            <a:spLocks noGrp="1"/>
-          </p:cNvSpPr>
-          <p:nvPr>
-            <p:ph type="dt" sz="half" idx="10"/>
+            <a:r>
+              <a:rPr kumimoji="0" lang="ru-RU" smtClean="0"/>
+              <a:t>Образец заголовка</a:t>
+            </a:r>
+            <a:endParaRPr kumimoji="0" lang="en-US"/>
+          </a:p>
+        </p:txBody>
+      </p:sp>
+      <p:sp>
+        <p:nvSpPr>
+          <p:cNvPr id="8" name="Дата 7"/>
+          <p:cNvSpPr>
+            <a:spLocks noGrp="1"/>
+          </p:cNvSpPr>
+          <p:nvPr>
+            <p:ph type="dt" sz="half" idx="14"/>
           </p:nvPr>
         </p:nvSpPr>
         <p:spPr/>
@@ -2679,31 +2820,12 @@
       </p:sp>
       <p:sp>
         <p:nvSpPr>
-          <p:cNvPr id="6" name="Нижний колонтитул 5"/>
-          <p:cNvSpPr>
-            <a:spLocks noGrp="1"/>
-          </p:cNvSpPr>
-          <p:nvPr>
-            <p:ph type="ftr" sz="quarter" idx="11"/>
-          </p:nvPr>
-        </p:nvSpPr>
-        <p:spPr/>
-        <p:txBody>
-          <a:bodyPr/>
-          <a:lstStyle/>
-          <a:p>
-            <a:endParaRPr lang="ru-RU" dirty="0"/>
-          </a:p>
-        </p:txBody>
-      </p:sp>
-      <p:sp>
-        <p:nvSpPr>
-          <p:cNvPr id="7" name="Номер слайда 6"/>
-          <p:cNvSpPr>
-            <a:spLocks noGrp="1"/>
-          </p:cNvSpPr>
-          <p:nvPr>
-            <p:ph type="sldNum" sz="quarter" idx="12"/>
+          <p:cNvPr id="9" name="Номер слайда 8"/>
+          <p:cNvSpPr>
+            <a:spLocks noGrp="1"/>
+          </p:cNvSpPr>
+          <p:nvPr>
+            <p:ph type="sldNum" sz="quarter" idx="15"/>
           </p:nvPr>
         </p:nvSpPr>
         <p:spPr/>
@@ -2716,6 +2838,25 @@
               <a:pPr/>
               <a:t>‹#›</a:t>
             </a:fld>
+            <a:endParaRPr lang="ru-RU" dirty="0"/>
+          </a:p>
+        </p:txBody>
+      </p:sp>
+      <p:sp>
+        <p:nvSpPr>
+          <p:cNvPr id="10" name="Нижний колонтитул 9"/>
+          <p:cNvSpPr>
+            <a:spLocks noGrp="1"/>
+          </p:cNvSpPr>
+          <p:nvPr>
+            <p:ph type="ftr" sz="quarter" idx="16"/>
+          </p:nvPr>
+        </p:nvSpPr>
+        <p:spPr/>
+        <p:txBody>
+          <a:bodyPr/>
+          <a:lstStyle/>
+          <a:p>
             <a:endParaRPr lang="ru-RU" dirty="0"/>
           </a:p>
         </p:txBody>
@@ -2729,7 +2870,7 @@
 </file>
 
 <file path=ppt/slideLayouts/slideLayout9.xml><?xml version="1.0" encoding="utf-8"?>
-<p:sldLayout xmlns:a="http://schemas.openxmlformats.org/drawingml/2006/main" xmlns:r="http://schemas.openxmlformats.org/officeDocument/2006/relationships" xmlns:p="http://schemas.openxmlformats.org/presentationml/2006/main" type="picTx" preserve="1">
+<p:sldLayout xmlns:a="http://schemas.openxmlformats.org/drawingml/2006/main" xmlns:r="http://schemas.openxmlformats.org/officeDocument/2006/relationships" xmlns:p="http://schemas.openxmlformats.org/presentationml/2006/main" showMasterSp="0" type="picTx" preserve="1">
   <p:cSld name="Рисунок с подписью">
     <p:spTree>
       <p:nvGrpSpPr>
@@ -2757,23 +2898,35 @@
         </p:nvSpPr>
         <p:spPr>
           <a:xfrm>
-            <a:off x="1792288" y="4800600"/>
-            <a:ext cx="5486400" cy="566738"/>
-          </a:xfrm>
-        </p:spPr>
-        <p:txBody>
-          <a:bodyPr anchor="b"/>
+            <a:off x="6629400" y="457200"/>
+            <a:ext cx="2057400" cy="1066800"/>
+          </a:xfrm>
+        </p:spPr>
+        <p:txBody>
+          <a:bodyPr lIns="91440" tIns="91440" anchor="b" anchorCtr="0"/>
           <a:lstStyle>
             <a:lvl1pPr algn="l">
-              <a:defRPr sz="2000" b="1"/>
+              <a:buNone/>
+              <a:defRPr sz="1800" b="1" spc="-50" baseline="0">
+                <a:ln w="3175">
+                  <a:noFill/>
+                </a:ln>
+                <a:solidFill>
+                  <a:schemeClr val="tx2"/>
+                </a:solidFill>
+                <a:effectLst/>
+                <a:latin typeface="+mn-lt"/>
+                <a:ea typeface="+mn-ea"/>
+                <a:cs typeface="+mn-cs"/>
+              </a:defRPr>
             </a:lvl1pPr>
           </a:lstStyle>
           <a:p>
             <a:r>
-              <a:rPr lang="ru-RU" smtClean="0"/>
+              <a:rPr kumimoji="0" lang="ru-RU" smtClean="0"/>
               <a:t>Образец заголовка</a:t>
             </a:r>
-            <a:endParaRPr lang="ru-RU"/>
+            <a:endParaRPr kumimoji="0" lang="en-US"/>
           </a:p>
         </p:txBody>
       </p:sp>
@@ -2789,52 +2942,41 @@
         </p:nvSpPr>
         <p:spPr>
           <a:xfrm>
-            <a:off x="1792288" y="612775"/>
-            <a:ext cx="5486400" cy="4114800"/>
-          </a:xfrm>
+            <a:off x="457200" y="457200"/>
+            <a:ext cx="6019800" cy="5562600"/>
+          </a:xfrm>
+          <a:solidFill>
+            <a:schemeClr val="tx2">
+              <a:tint val="40000"/>
+            </a:schemeClr>
+          </a:solidFill>
+          <a:effectLst>
+            <a:outerShdw blurRad="88900" sx="103000" sy="103000" algn="ctr" rotWithShape="0">
+              <a:prstClr val="black">
+                <a:alpha val="32000"/>
+              </a:prstClr>
+            </a:outerShdw>
+            <a:softEdge rad="127000"/>
+          </a:effectLst>
         </p:spPr>
         <p:txBody>
           <a:bodyPr/>
           <a:lstStyle>
             <a:lvl1pPr marL="0" indent="0">
               <a:buNone/>
-              <a:defRPr sz="3200"/>
+              <a:defRPr sz="3200">
+                <a:solidFill>
+                  <a:schemeClr val="bg1"/>
+                </a:solidFill>
+              </a:defRPr>
             </a:lvl1pPr>
-            <a:lvl2pPr marL="457200" indent="0">
-              <a:buNone/>
-              <a:defRPr sz="2800"/>
-            </a:lvl2pPr>
-            <a:lvl3pPr marL="914400" indent="0">
-              <a:buNone/>
-              <a:defRPr sz="2400"/>
-            </a:lvl3pPr>
-            <a:lvl4pPr marL="1371600" indent="0">
-              <a:buNone/>
-              <a:defRPr sz="2000"/>
-            </a:lvl4pPr>
-            <a:lvl5pPr marL="1828800" indent="0">
-              <a:buNone/>
-              <a:defRPr sz="2000"/>
-            </a:lvl5pPr>
-            <a:lvl6pPr marL="2286000" indent="0">
-              <a:buNone/>
-              <a:defRPr sz="2000"/>
-            </a:lvl6pPr>
-            <a:lvl7pPr marL="2743200" indent="0">
-              <a:buNone/>
-              <a:defRPr sz="2000"/>
-            </a:lvl7pPr>
-            <a:lvl8pPr marL="3200400" indent="0">
-              <a:buNone/>
-              <a:defRPr sz="2000"/>
-            </a:lvl8pPr>
-            <a:lvl9pPr marL="3657600" indent="0">
-              <a:buNone/>
-              <a:defRPr sz="2000"/>
-            </a:lvl9pPr>
           </a:lstStyle>
           <a:p>
-            <a:endParaRPr lang="ru-RU" dirty="0"/>
+            <a:r>
+              <a:rPr kumimoji="0" lang="ru-RU" smtClean="0"/>
+              <a:t>Вставка рисунка</a:t>
+            </a:r>
+            <a:endParaRPr kumimoji="0" lang="en-US"/>
           </a:p>
         </p:txBody>
       </p:sp>
@@ -2850,54 +2992,45 @@
         </p:nvSpPr>
         <p:spPr>
           <a:xfrm>
-            <a:off x="1792288" y="5367338"/>
-            <a:ext cx="5486400" cy="804862"/>
-          </a:xfrm>
-        </p:spPr>
-        <p:txBody>
-          <a:bodyPr/>
+            <a:off x="6629400" y="1600200"/>
+            <a:ext cx="2057400" cy="4419600"/>
+          </a:xfrm>
+        </p:spPr>
+        <p:txBody>
+          <a:bodyPr anchor="t" anchorCtr="0"/>
           <a:lstStyle>
             <a:lvl1pPr marL="0" indent="0">
+              <a:lnSpc>
+                <a:spcPct val="125000"/>
+              </a:lnSpc>
+              <a:spcAft>
+                <a:spcPts val="1000"/>
+              </a:spcAft>
+              <a:buFontTx/>
               <a:buNone/>
-              <a:defRPr sz="1400"/>
+              <a:defRPr sz="1600" b="0">
+                <a:solidFill>
+                  <a:schemeClr val="tx2"/>
+                </a:solidFill>
+              </a:defRPr>
             </a:lvl1pPr>
-            <a:lvl2pPr marL="457200" indent="0">
-              <a:buNone/>
+            <a:lvl2pPr>
               <a:defRPr sz="1200"/>
             </a:lvl2pPr>
-            <a:lvl3pPr marL="914400" indent="0">
-              <a:buNone/>
+            <a:lvl3pPr>
               <a:defRPr sz="1000"/>
             </a:lvl3pPr>
-            <a:lvl4pPr marL="1371600" indent="0">
-              <a:buNone/>
+            <a:lvl4pPr>
               <a:defRPr sz="900"/>
             </a:lvl4pPr>
-            <a:lvl5pPr marL="1828800" indent="0">
-              <a:buNone/>
+            <a:lvl5pPr>
               <a:defRPr sz="900"/>
             </a:lvl5pPr>
-            <a:lvl6pPr marL="2286000" indent="0">
-              <a:buNone/>
-              <a:defRPr sz="900"/>
-            </a:lvl6pPr>
-            <a:lvl7pPr marL="2743200" indent="0">
-              <a:buNone/>
-              <a:defRPr sz="900"/>
-            </a:lvl7pPr>
-            <a:lvl8pPr marL="3200400" indent="0">
-              <a:buNone/>
-              <a:defRPr sz="900"/>
-            </a:lvl8pPr>
-            <a:lvl9pPr marL="3657600" indent="0">
-              <a:buNone/>
-              <a:defRPr sz="900"/>
-            </a:lvl9pPr>
           </a:lstStyle>
           <a:p>
-            <a:pPr lvl="0"/>
-            <a:r>
-              <a:rPr lang="ru-RU" smtClean="0"/>
+            <a:pPr lvl="0" eaLnBrk="1" latinLnBrk="0" hangingPunct="1"/>
+            <a:r>
+              <a:rPr kumimoji="0" lang="ru-RU" smtClean="0"/>
               <a:t>Образец текста</a:t>
             </a:r>
           </a:p>
@@ -2905,7 +3038,7 @@
       </p:sp>
       <p:sp>
         <p:nvSpPr>
-          <p:cNvPr id="5" name="Дата 4"/>
+          <p:cNvPr id="8" name="Дата 7"/>
           <p:cNvSpPr>
             <a:spLocks noGrp="1"/>
           </p:cNvSpPr>
@@ -2929,31 +3062,12 @@
       </p:sp>
       <p:sp>
         <p:nvSpPr>
-          <p:cNvPr id="6" name="Нижний колонтитул 5"/>
-          <p:cNvSpPr>
-            <a:spLocks noGrp="1"/>
-          </p:cNvSpPr>
-          <p:nvPr>
-            <p:ph type="ftr" sz="quarter" idx="11"/>
-          </p:nvPr>
-        </p:nvSpPr>
-        <p:spPr/>
-        <p:txBody>
-          <a:bodyPr/>
-          <a:lstStyle/>
-          <a:p>
-            <a:endParaRPr lang="ru-RU" dirty="0"/>
-          </a:p>
-        </p:txBody>
-      </p:sp>
-      <p:sp>
-        <p:nvSpPr>
-          <p:cNvPr id="7" name="Номер слайда 6"/>
-          <p:cNvSpPr>
-            <a:spLocks noGrp="1"/>
-          </p:cNvSpPr>
-          <p:nvPr>
-            <p:ph type="sldNum" sz="quarter" idx="12"/>
+          <p:cNvPr id="9" name="Номер слайда 8"/>
+          <p:cNvSpPr>
+            <a:spLocks noGrp="1"/>
+          </p:cNvSpPr>
+          <p:nvPr>
+            <p:ph type="sldNum" sz="quarter" idx="11"/>
           </p:nvPr>
         </p:nvSpPr>
         <p:spPr/>
@@ -2966,6 +3080,25 @@
               <a:pPr/>
               <a:t>‹#›</a:t>
             </a:fld>
+            <a:endParaRPr lang="ru-RU" dirty="0"/>
+          </a:p>
+        </p:txBody>
+      </p:sp>
+      <p:sp>
+        <p:nvSpPr>
+          <p:cNvPr id="10" name="Нижний колонтитул 9"/>
+          <p:cNvSpPr>
+            <a:spLocks noGrp="1"/>
+          </p:cNvSpPr>
+          <p:nvPr>
+            <p:ph type="ftr" sz="quarter" idx="12"/>
+          </p:nvPr>
+        </p:nvSpPr>
+        <p:spPr/>
+        <p:txBody>
+          <a:bodyPr/>
+          <a:lstStyle/>
+          <a:p>
             <a:endParaRPr lang="ru-RU" dirty="0"/>
           </a:p>
         </p:txBody>
@@ -2982,8 +3115,8 @@
 <p:sldMaster xmlns:a="http://schemas.openxmlformats.org/drawingml/2006/main" xmlns:r="http://schemas.openxmlformats.org/officeDocument/2006/relationships" xmlns:p="http://schemas.openxmlformats.org/presentationml/2006/main">
   <p:cSld>
     <p:bg>
-      <p:bgRef idx="1001">
-        <a:schemeClr val="bg1"/>
+      <p:bgRef idx="1003">
+        <a:schemeClr val="bg2"/>
       </p:bgRef>
     </p:bg>
     <p:spTree>
@@ -3002,127 +3135,92 @@
       </p:grpSpPr>
       <p:sp>
         <p:nvSpPr>
-          <p:cNvPr id="2" name="Заголовок 1"/>
-          <p:cNvSpPr>
-            <a:spLocks noGrp="1"/>
-          </p:cNvSpPr>
-          <p:nvPr>
-            <p:ph type="title"/>
+          <p:cNvPr id="9" name="Текст 8"/>
+          <p:cNvSpPr>
+            <a:spLocks noGrp="1"/>
+          </p:cNvSpPr>
+          <p:nvPr>
+            <p:ph type="body" idx="1"/>
           </p:nvPr>
         </p:nvSpPr>
         <p:spPr>
           <a:xfrm>
-            <a:off x="457200" y="274638"/>
-            <a:ext cx="8229600" cy="1143000"/>
+            <a:off x="457200" y="1447800"/>
+            <a:ext cx="8229600" cy="4678363"/>
           </a:xfrm>
           <a:prstGeom prst="rect">
             <a:avLst/>
           </a:prstGeom>
         </p:spPr>
         <p:txBody>
-          <a:bodyPr vert="horz" lIns="91440" tIns="45720" rIns="91440" bIns="45720" rtlCol="0" anchor="ctr">
+          <a:bodyPr vert="horz">
             <a:normAutofit/>
           </a:bodyPr>
           <a:lstStyle/>
           <a:p>
-            <a:r>
-              <a:rPr lang="ru-RU" smtClean="0"/>
-              <a:t>Образец заголовка</a:t>
-            </a:r>
-            <a:endParaRPr lang="ru-RU"/>
-          </a:p>
-        </p:txBody>
-      </p:sp>
-      <p:sp>
-        <p:nvSpPr>
-          <p:cNvPr id="3" name="Текст 2"/>
-          <p:cNvSpPr>
-            <a:spLocks noGrp="1"/>
-          </p:cNvSpPr>
-          <p:nvPr>
-            <p:ph type="body" idx="1"/>
+            <a:pPr lvl="0" eaLnBrk="1" latinLnBrk="0" hangingPunct="1"/>
+            <a:r>
+              <a:rPr kumimoji="0" lang="ru-RU" smtClean="0"/>
+              <a:t>Образец текста</a:t>
+            </a:r>
+          </a:p>
+          <a:p>
+            <a:pPr lvl="1" eaLnBrk="1" latinLnBrk="0" hangingPunct="1"/>
+            <a:r>
+              <a:rPr kumimoji="0" lang="ru-RU" smtClean="0"/>
+              <a:t>Второй уровень</a:t>
+            </a:r>
+          </a:p>
+          <a:p>
+            <a:pPr lvl="2" eaLnBrk="1" latinLnBrk="0" hangingPunct="1"/>
+            <a:r>
+              <a:rPr kumimoji="0" lang="ru-RU" smtClean="0"/>
+              <a:t>Третий уровень</a:t>
+            </a:r>
+          </a:p>
+          <a:p>
+            <a:pPr lvl="3" eaLnBrk="1" latinLnBrk="0" hangingPunct="1"/>
+            <a:r>
+              <a:rPr kumimoji="0" lang="ru-RU" smtClean="0"/>
+              <a:t>Четвертый уровень</a:t>
+            </a:r>
+          </a:p>
+          <a:p>
+            <a:pPr lvl="4" eaLnBrk="1" latinLnBrk="0" hangingPunct="1"/>
+            <a:r>
+              <a:rPr kumimoji="0" lang="ru-RU" smtClean="0"/>
+              <a:t>Пятый уровень</a:t>
+            </a:r>
+            <a:endParaRPr kumimoji="0" lang="en-US"/>
+          </a:p>
+        </p:txBody>
+      </p:sp>
+      <p:sp>
+        <p:nvSpPr>
+          <p:cNvPr id="24" name="Дата 23"/>
+          <p:cNvSpPr>
+            <a:spLocks noGrp="1"/>
+          </p:cNvSpPr>
+          <p:nvPr>
+            <p:ph type="dt" sz="half" idx="2"/>
           </p:nvPr>
         </p:nvSpPr>
         <p:spPr>
           <a:xfrm>
-            <a:off x="457200" y="1600200"/>
-            <a:ext cx="8229600" cy="4525963"/>
+            <a:off x="5791200" y="6203667"/>
+            <a:ext cx="2590800" cy="384048"/>
           </a:xfrm>
           <a:prstGeom prst="rect">
             <a:avLst/>
           </a:prstGeom>
         </p:spPr>
         <p:txBody>
-          <a:bodyPr vert="horz" lIns="91440" tIns="45720" rIns="91440" bIns="45720" rtlCol="0">
-            <a:normAutofit/>
-          </a:bodyPr>
-          <a:lstStyle/>
-          <a:p>
-            <a:pPr lvl="0"/>
-            <a:r>
-              <a:rPr lang="ru-RU" smtClean="0"/>
-              <a:t>Образец текста</a:t>
-            </a:r>
-          </a:p>
-          <a:p>
-            <a:pPr lvl="1"/>
-            <a:r>
-              <a:rPr lang="ru-RU" smtClean="0"/>
-              <a:t>Второй уровень</a:t>
-            </a:r>
-          </a:p>
-          <a:p>
-            <a:pPr lvl="2"/>
-            <a:r>
-              <a:rPr lang="ru-RU" smtClean="0"/>
-              <a:t>Третий уровень</a:t>
-            </a:r>
-          </a:p>
-          <a:p>
-            <a:pPr lvl="3"/>
-            <a:r>
-              <a:rPr lang="ru-RU" smtClean="0"/>
-              <a:t>Четвертый уровень</a:t>
-            </a:r>
-          </a:p>
-          <a:p>
-            <a:pPr lvl="4"/>
-            <a:r>
-              <a:rPr lang="ru-RU" smtClean="0"/>
-              <a:t>Пятый уровень</a:t>
-            </a:r>
-            <a:endParaRPr lang="ru-RU"/>
-          </a:p>
-        </p:txBody>
-      </p:sp>
-      <p:sp>
-        <p:nvSpPr>
-          <p:cNvPr id="4" name="Дата 3"/>
-          <p:cNvSpPr>
-            <a:spLocks noGrp="1"/>
-          </p:cNvSpPr>
-          <p:nvPr>
-            <p:ph type="dt" sz="half" idx="2"/>
-          </p:nvPr>
-        </p:nvSpPr>
-        <p:spPr>
-          <a:xfrm>
-            <a:off x="457200" y="6356350"/>
-            <a:ext cx="2133600" cy="365125"/>
-          </a:xfrm>
-          <a:prstGeom prst="rect">
-            <a:avLst/>
-          </a:prstGeom>
-        </p:spPr>
-        <p:txBody>
-          <a:bodyPr vert="horz" lIns="91440" tIns="45720" rIns="91440" bIns="45720" rtlCol="0" anchor="ctr"/>
+          <a:bodyPr vert="horz" anchor="ctr" anchorCtr="0"/>
           <a:lstStyle>
-            <a:lvl1pPr algn="l">
-              <a:defRPr sz="1200">
+            <a:lvl1pPr algn="l" eaLnBrk="1" latinLnBrk="0" hangingPunct="1">
+              <a:defRPr kumimoji="0" sz="1200">
                 <a:solidFill>
-                  <a:schemeClr val="tx1">
-                    <a:tint val="75000"/>
-                  </a:schemeClr>
+                  <a:schemeClr val="tx2"/>
                 </a:solidFill>
               </a:defRPr>
             </a:lvl1pPr>
@@ -3139,7 +3237,7 @@
       </p:sp>
       <p:sp>
         <p:nvSpPr>
-          <p:cNvPr id="5" name="Нижний колонтитул 4"/>
+          <p:cNvPr id="10" name="Нижний колонтитул 9"/>
           <p:cNvSpPr>
             <a:spLocks noGrp="1"/>
           </p:cNvSpPr>
@@ -3149,22 +3247,20 @@
         </p:nvSpPr>
         <p:spPr>
           <a:xfrm>
-            <a:off x="3124200" y="6356350"/>
-            <a:ext cx="2895600" cy="365125"/>
+            <a:off x="2133600" y="6203667"/>
+            <a:ext cx="3581400" cy="384048"/>
           </a:xfrm>
           <a:prstGeom prst="rect">
             <a:avLst/>
           </a:prstGeom>
         </p:spPr>
         <p:txBody>
-          <a:bodyPr vert="horz" lIns="91440" tIns="45720" rIns="91440" bIns="45720" rtlCol="0" anchor="ctr"/>
+          <a:bodyPr vert="horz" anchor="ctr" anchorCtr="0"/>
           <a:lstStyle>
-            <a:lvl1pPr algn="ctr">
-              <a:defRPr sz="1200">
+            <a:lvl1pPr algn="r" eaLnBrk="1" latinLnBrk="0" hangingPunct="1">
+              <a:defRPr kumimoji="0" sz="1200">
                 <a:solidFill>
-                  <a:schemeClr val="tx1">
-                    <a:tint val="75000"/>
-                  </a:schemeClr>
+                  <a:schemeClr val="tx2"/>
                 </a:solidFill>
               </a:defRPr>
             </a:lvl1pPr>
@@ -3176,7 +3272,7 @@
       </p:sp>
       <p:sp>
         <p:nvSpPr>
-          <p:cNvPr id="6" name="Номер слайда 5"/>
+          <p:cNvPr id="22" name="Номер слайда 21"/>
           <p:cNvSpPr>
             <a:spLocks noGrp="1"/>
           </p:cNvSpPr>
@@ -3186,22 +3282,23 @@
         </p:nvSpPr>
         <p:spPr>
           <a:xfrm>
-            <a:off x="6553200" y="6356350"/>
-            <a:ext cx="2133600" cy="365125"/>
+            <a:off x="8410575" y="6181531"/>
+            <a:ext cx="609600" cy="457200"/>
           </a:xfrm>
           <a:prstGeom prst="rect">
             <a:avLst/>
           </a:prstGeom>
-        </p:spPr>
-        <p:txBody>
-          <a:bodyPr vert="horz" lIns="91440" tIns="45720" rIns="91440" bIns="45720" rtlCol="0" anchor="ctr"/>
+          <a:noFill/>
+        </p:spPr>
+        <p:txBody>
+          <a:bodyPr vert="horz" lIns="0" tIns="0" rIns="0" bIns="0" anchor="ctr" anchorCtr="0">
+            <a:noAutofit/>
+          </a:bodyPr>
           <a:lstStyle>
-            <a:lvl1pPr algn="r">
-              <a:defRPr sz="1200">
+            <a:lvl1pPr algn="ctr" eaLnBrk="1" latinLnBrk="0" hangingPunct="1">
+              <a:defRPr kumimoji="0" sz="1600" baseline="0">
                 <a:solidFill>
-                  <a:schemeClr val="tx1">
-                    <a:tint val="75000"/>
-                  </a:schemeClr>
+                  <a:schemeClr val="tx2"/>
                 </a:solidFill>
               </a:defRPr>
             </a:lvl1pPr>
@@ -3216,33 +3313,86 @@
           </a:p>
         </p:txBody>
       </p:sp>
+      <p:sp>
+        <p:nvSpPr>
+          <p:cNvPr id="5" name="Заголовок 4"/>
+          <p:cNvSpPr>
+            <a:spLocks noGrp="1"/>
+          </p:cNvSpPr>
+          <p:nvPr>
+            <p:ph type="title"/>
+          </p:nvPr>
+        </p:nvSpPr>
+        <p:spPr>
+          <a:xfrm>
+            <a:off x="457200" y="152400"/>
+            <a:ext cx="8229600" cy="1219200"/>
+          </a:xfrm>
+          <a:prstGeom prst="rect">
+            <a:avLst/>
+          </a:prstGeom>
+          <a:ln w="6350" cap="rnd">
+            <a:noFill/>
+          </a:ln>
+        </p:spPr>
+        <p:txBody>
+          <a:bodyPr vert="horz" anchor="b" anchorCtr="0">
+            <a:normAutofit/>
+          </a:bodyPr>
+          <a:lstStyle/>
+          <a:p>
+            <a:r>
+              <a:rPr kumimoji="0" lang="ru-RU" smtClean="0"/>
+              <a:t>Образец заголовка</a:t>
+            </a:r>
+            <a:endParaRPr kumimoji="0" lang="en-US"/>
+          </a:p>
+        </p:txBody>
+      </p:sp>
     </p:spTree>
   </p:cSld>
-  <p:clrMap bg1="lt1" tx1="dk1" bg2="lt2" tx2="dk2" accent1="accent1" accent2="accent2" accent3="accent3" accent4="accent4" accent5="accent5" accent6="accent6" hlink="hlink" folHlink="folHlink"/>
+  <p:clrMap bg1="dk1" tx1="lt1" bg2="dk2" tx2="lt2" accent1="accent1" accent2="accent2" accent3="accent3" accent4="accent4" accent5="accent5" accent6="accent6" hlink="hlink" folHlink="folHlink"/>
   <p:sldLayoutIdLst>
-    <p:sldLayoutId id="2147483649" r:id="rId1"/>
-    <p:sldLayoutId id="2147483650" r:id="rId2"/>
-    <p:sldLayoutId id="2147483651" r:id="rId3"/>
-    <p:sldLayoutId id="2147483652" r:id="rId4"/>
-    <p:sldLayoutId id="2147483653" r:id="rId5"/>
-    <p:sldLayoutId id="2147483654" r:id="rId6"/>
-    <p:sldLayoutId id="2147483655" r:id="rId7"/>
-    <p:sldLayoutId id="2147483656" r:id="rId8"/>
-    <p:sldLayoutId id="2147483657" r:id="rId9"/>
-    <p:sldLayoutId id="2147483658" r:id="rId10"/>
-    <p:sldLayoutId id="2147483659" r:id="rId11"/>
+    <p:sldLayoutId id="2147483685" r:id="rId1"/>
+    <p:sldLayoutId id="2147483686" r:id="rId2"/>
+    <p:sldLayoutId id="2147483687" r:id="rId3"/>
+    <p:sldLayoutId id="2147483688" r:id="rId4"/>
+    <p:sldLayoutId id="2147483689" r:id="rId5"/>
+    <p:sldLayoutId id="2147483690" r:id="rId6"/>
+    <p:sldLayoutId id="2147483691" r:id="rId7"/>
+    <p:sldLayoutId id="2147483692" r:id="rId8"/>
+    <p:sldLayoutId id="2147483693" r:id="rId9"/>
+    <p:sldLayoutId id="2147483694" r:id="rId10"/>
+    <p:sldLayoutId id="2147483695" r:id="rId11"/>
   </p:sldLayoutIdLst>
   <p:txStyles>
     <p:titleStyle>
-      <a:lvl1pPr algn="ctr" defTabSz="914400" rtl="0" eaLnBrk="1" latinLnBrk="0" hangingPunct="1">
+      <a:lvl1pPr algn="l" rtl="0" eaLnBrk="1" latinLnBrk="0" hangingPunct="1">
         <a:spcBef>
           <a:spcPct val="0"/>
         </a:spcBef>
         <a:buNone/>
-        <a:defRPr sz="4400" kern="1200">
+        <a:defRPr kumimoji="0" lang="en-US" sz="4200" b="0" kern="1200" spc="-100" baseline="0" dirty="0">
+          <a:ln w="3200">
+            <a:solidFill>
+              <a:schemeClr val="bg2">
+                <a:shade val="75000"/>
+                <a:alpha val="25000"/>
+              </a:schemeClr>
+            </a:solidFill>
+            <a:prstDash val="solid"/>
+            <a:round/>
+          </a:ln>
           <a:solidFill>
-            <a:schemeClr val="tx1"/>
+            <a:srgbClr val="F9F9F9"/>
           </a:solidFill>
+          <a:effectLst>
+            <a:innerShdw blurRad="50800" dist="25400" dir="13500000">
+              <a:prstClr val="black">
+                <a:alpha val="70000"/>
+              </a:prstClr>
+            </a:innerShdw>
+          </a:effectLst>
           <a:latin typeface="+mj-lt"/>
           <a:ea typeface="+mj-ea"/>
           <a:cs typeface="+mj-cs"/>
@@ -3250,13 +3400,17 @@
       </a:lvl1pPr>
     </p:titleStyle>
     <p:bodyStyle>
-      <a:lvl1pPr marL="342900" indent="-342900" algn="l" defTabSz="914400" rtl="0" eaLnBrk="1" latinLnBrk="0" hangingPunct="1">
+      <a:lvl1pPr marL="274320" indent="-274320" algn="l" rtl="0" eaLnBrk="1" latinLnBrk="0" hangingPunct="1">
         <a:spcBef>
-          <a:spcPct val="20000"/>
+          <a:spcPts val="600"/>
         </a:spcBef>
-        <a:buFont typeface="Arial" pitchFamily="34" charset="0"/>
-        <a:buChar char="•"/>
-        <a:defRPr sz="3200" kern="1200">
+        <a:buClr>
+          <a:schemeClr val="accent2"/>
+        </a:buClr>
+        <a:buSzPct val="85000"/>
+        <a:buFont typeface="Wingdings 2"/>
+        <a:buChar char=""/>
+        <a:defRPr kumimoji="0" sz="2600" kern="1200">
           <a:solidFill>
             <a:schemeClr val="tx1"/>
           </a:solidFill>
@@ -3265,28 +3419,40 @@
           <a:cs typeface="+mn-cs"/>
         </a:defRPr>
       </a:lvl1pPr>
-      <a:lvl2pPr marL="742950" indent="-285750" algn="l" defTabSz="914400" rtl="0" eaLnBrk="1" latinLnBrk="0" hangingPunct="1">
+      <a:lvl2pPr marL="640080" indent="-274320" algn="l" rtl="0" eaLnBrk="1" latinLnBrk="0" hangingPunct="1">
         <a:spcBef>
-          <a:spcPct val="20000"/>
+          <a:spcPts val="300"/>
         </a:spcBef>
-        <a:buFont typeface="Arial" pitchFamily="34" charset="0"/>
-        <a:buChar char="–"/>
-        <a:defRPr sz="2800" kern="1200">
+        <a:buClr>
+          <a:schemeClr val="accent2">
+            <a:shade val="75000"/>
+          </a:schemeClr>
+        </a:buClr>
+        <a:buSzPct val="85000"/>
+        <a:buFont typeface="Wingdings 2"/>
+        <a:buChar char=""/>
+        <a:defRPr kumimoji="0" sz="2400" kern="1200">
           <a:solidFill>
-            <a:schemeClr val="tx1"/>
+            <a:schemeClr val="tx2"/>
           </a:solidFill>
           <a:latin typeface="+mn-lt"/>
           <a:ea typeface="+mn-ea"/>
           <a:cs typeface="+mn-cs"/>
         </a:defRPr>
       </a:lvl2pPr>
-      <a:lvl3pPr marL="1143000" indent="-228600" algn="l" defTabSz="914400" rtl="0" eaLnBrk="1" latinLnBrk="0" hangingPunct="1">
+      <a:lvl3pPr marL="1005840" indent="-228600" algn="l" rtl="0" eaLnBrk="1" latinLnBrk="0" hangingPunct="1">
         <a:spcBef>
-          <a:spcPct val="20000"/>
+          <a:spcPts val="300"/>
         </a:spcBef>
-        <a:buFont typeface="Arial" pitchFamily="34" charset="0"/>
-        <a:buChar char="•"/>
-        <a:defRPr sz="2400" kern="1200">
+        <a:buClr>
+          <a:schemeClr val="accent2">
+            <a:shade val="50000"/>
+          </a:schemeClr>
+        </a:buClr>
+        <a:buSzPct val="85000"/>
+        <a:buFont typeface="Wingdings 2"/>
+        <a:buChar char=""/>
+        <a:defRPr kumimoji="0" sz="2100" kern="1200">
           <a:solidFill>
             <a:schemeClr val="tx1"/>
           </a:solidFill>
@@ -3295,13 +3461,19 @@
           <a:cs typeface="+mn-cs"/>
         </a:defRPr>
       </a:lvl3pPr>
-      <a:lvl4pPr marL="1600200" indent="-228600" algn="l" defTabSz="914400" rtl="0" eaLnBrk="1" latinLnBrk="0" hangingPunct="1">
+      <a:lvl4pPr marL="1280160" indent="-228600" algn="l" rtl="0" eaLnBrk="1" latinLnBrk="0" hangingPunct="1">
         <a:spcBef>
-          <a:spcPct val="20000"/>
+          <a:spcPts val="300"/>
         </a:spcBef>
-        <a:buFont typeface="Arial" pitchFamily="34" charset="0"/>
-        <a:buChar char="–"/>
-        <a:defRPr sz="2000" kern="1200">
+        <a:buClr>
+          <a:schemeClr val="accent2">
+            <a:shade val="75000"/>
+          </a:schemeClr>
+        </a:buClr>
+        <a:buSzPct val="85000"/>
+        <a:buFont typeface="Wingdings 2" pitchFamily="18" charset="2"/>
+        <a:buChar char=""/>
+        <a:defRPr kumimoji="0" sz="1900" kern="1200">
           <a:solidFill>
             <a:schemeClr val="tx1"/>
           </a:solidFill>
@@ -3310,13 +3482,19 @@
           <a:cs typeface="+mn-cs"/>
         </a:defRPr>
       </a:lvl4pPr>
-      <a:lvl5pPr marL="2057400" indent="-228600" algn="l" defTabSz="914400" rtl="0" eaLnBrk="1" latinLnBrk="0" hangingPunct="1">
+      <a:lvl5pPr marL="1554480" indent="-228600" algn="l" rtl="0" eaLnBrk="1" latinLnBrk="0" hangingPunct="1">
         <a:spcBef>
-          <a:spcPct val="20000"/>
+          <a:spcPts val="340"/>
         </a:spcBef>
-        <a:buFont typeface="Arial" pitchFamily="34" charset="0"/>
-        <a:buChar char="»"/>
-        <a:defRPr sz="2000" kern="1200">
+        <a:buClr>
+          <a:schemeClr val="accent2">
+            <a:shade val="75000"/>
+          </a:schemeClr>
+        </a:buClr>
+        <a:buSzPct val="85000"/>
+        <a:buFont typeface="Wingdings 2" pitchFamily="18" charset="2"/>
+        <a:buChar char=""/>
+        <a:defRPr kumimoji="0" sz="1600" kern="1200">
           <a:solidFill>
             <a:schemeClr val="tx1"/>
           </a:solidFill>
@@ -3325,13 +3503,19 @@
           <a:cs typeface="+mn-cs"/>
         </a:defRPr>
       </a:lvl5pPr>
-      <a:lvl6pPr marL="2514600" indent="-228600" algn="l" defTabSz="914400" rtl="0" eaLnBrk="1" latinLnBrk="0" hangingPunct="1">
+      <a:lvl6pPr marL="1828800" indent="-228600" algn="l" rtl="0" eaLnBrk="1" latinLnBrk="0" hangingPunct="1">
         <a:spcBef>
-          <a:spcPct val="20000"/>
+          <a:spcPts val="340"/>
         </a:spcBef>
-        <a:buFont typeface="Arial" pitchFamily="34" charset="0"/>
-        <a:buChar char="•"/>
-        <a:defRPr sz="2000" kern="1200">
+        <a:buClr>
+          <a:schemeClr val="accent2">
+            <a:shade val="75000"/>
+          </a:schemeClr>
+        </a:buClr>
+        <a:buSzPct val="85000"/>
+        <a:buFont typeface="Wingdings 2" pitchFamily="18" charset="2"/>
+        <a:buChar char="?"/>
+        <a:defRPr kumimoji="0" sz="1700" kern="1200">
           <a:solidFill>
             <a:schemeClr val="tx1"/>
           </a:solidFill>
@@ -3340,13 +3524,19 @@
           <a:cs typeface="+mn-cs"/>
         </a:defRPr>
       </a:lvl6pPr>
-      <a:lvl7pPr marL="2971800" indent="-228600" algn="l" defTabSz="914400" rtl="0" eaLnBrk="1" latinLnBrk="0" hangingPunct="1">
+      <a:lvl7pPr marL="2011680" indent="-182880" algn="l" rtl="0" eaLnBrk="1" latinLnBrk="0" hangingPunct="1">
         <a:spcBef>
-          <a:spcPct val="20000"/>
+          <a:spcPts val="340"/>
         </a:spcBef>
-        <a:buFont typeface="Arial" pitchFamily="34" charset="0"/>
-        <a:buChar char="•"/>
-        <a:defRPr sz="2000" kern="1200">
+        <a:buClr>
+          <a:schemeClr val="accent2">
+            <a:shade val="75000"/>
+          </a:schemeClr>
+        </a:buClr>
+        <a:buSzPct val="85000"/>
+        <a:buFont typeface="Wingdings 2" pitchFamily="18" charset="2"/>
+        <a:buChar char="?"/>
+        <a:defRPr kumimoji="0" sz="1600" kern="1200" baseline="0">
           <a:solidFill>
             <a:schemeClr val="tx1"/>
           </a:solidFill>
@@ -3355,13 +3545,19 @@
           <a:cs typeface="+mn-cs"/>
         </a:defRPr>
       </a:lvl7pPr>
-      <a:lvl8pPr marL="3429000" indent="-228600" algn="l" defTabSz="914400" rtl="0" eaLnBrk="1" latinLnBrk="0" hangingPunct="1">
+      <a:lvl8pPr marL="2286000" indent="-182880" algn="l" rtl="0" eaLnBrk="1" latinLnBrk="0" hangingPunct="1">
         <a:spcBef>
-          <a:spcPct val="20000"/>
+          <a:spcPts val="340"/>
         </a:spcBef>
-        <a:buFont typeface="Arial" pitchFamily="34" charset="0"/>
-        <a:buChar char="•"/>
-        <a:defRPr sz="2000" kern="1200">
+        <a:buClr>
+          <a:schemeClr val="accent2">
+            <a:shade val="75000"/>
+          </a:schemeClr>
+        </a:buClr>
+        <a:buSzPct val="85000"/>
+        <a:buFont typeface="Wingdings 2" pitchFamily="18" charset="2"/>
+        <a:buChar char="?"/>
+        <a:defRPr kumimoji="0" sz="1500" kern="1200">
           <a:solidFill>
             <a:schemeClr val="tx1"/>
           </a:solidFill>
@@ -3370,13 +3566,19 @@
           <a:cs typeface="+mn-cs"/>
         </a:defRPr>
       </a:lvl8pPr>
-      <a:lvl9pPr marL="3886200" indent="-228600" algn="l" defTabSz="914400" rtl="0" eaLnBrk="1" latinLnBrk="0" hangingPunct="1">
+      <a:lvl9pPr marL="2560320" indent="-182880" algn="l" rtl="0" eaLnBrk="1" latinLnBrk="0" hangingPunct="1">
         <a:spcBef>
-          <a:spcPct val="20000"/>
+          <a:spcPts val="340"/>
         </a:spcBef>
-        <a:buFont typeface="Arial" pitchFamily="34" charset="0"/>
-        <a:buChar char="•"/>
-        <a:defRPr sz="2000" kern="1200">
+        <a:buClr>
+          <a:schemeClr val="accent2">
+            <a:shade val="75000"/>
+          </a:schemeClr>
+        </a:buClr>
+        <a:buSzPct val="85000"/>
+        <a:buFont typeface="Wingdings 2" pitchFamily="18" charset="2"/>
+        <a:buChar char="?"/>
+        <a:defRPr kumimoji="0" sz="1500" kern="1200">
           <a:solidFill>
             <a:schemeClr val="tx1"/>
           </a:solidFill>
@@ -3387,11 +3589,8 @@
       </a:lvl9pPr>
     </p:bodyStyle>
     <p:otherStyle>
-      <a:defPPr>
-        <a:defRPr lang="ru-RU"/>
-      </a:defPPr>
-      <a:lvl1pPr marL="0" algn="l" defTabSz="914400" rtl="0" eaLnBrk="1" latinLnBrk="0" hangingPunct="1">
-        <a:defRPr sz="1800" kern="1200">
+      <a:lvl1pPr marL="0" algn="l" rtl="0" eaLnBrk="1" latinLnBrk="0" hangingPunct="1">
+        <a:defRPr kumimoji="0" kern="1200">
           <a:solidFill>
             <a:schemeClr val="tx1"/>
           </a:solidFill>
@@ -3400,8 +3599,8 @@
           <a:cs typeface="+mn-cs"/>
         </a:defRPr>
       </a:lvl1pPr>
-      <a:lvl2pPr marL="457200" algn="l" defTabSz="914400" rtl="0" eaLnBrk="1" latinLnBrk="0" hangingPunct="1">
-        <a:defRPr sz="1800" kern="1200">
+      <a:lvl2pPr marL="457200" algn="l" rtl="0" eaLnBrk="1" latinLnBrk="0" hangingPunct="1">
+        <a:defRPr kumimoji="0" kern="1200">
           <a:solidFill>
             <a:schemeClr val="tx1"/>
           </a:solidFill>
@@ -3410,8 +3609,8 @@
           <a:cs typeface="+mn-cs"/>
         </a:defRPr>
       </a:lvl2pPr>
-      <a:lvl3pPr marL="914400" algn="l" defTabSz="914400" rtl="0" eaLnBrk="1" latinLnBrk="0" hangingPunct="1">
-        <a:defRPr sz="1800" kern="1200">
+      <a:lvl3pPr marL="914400" algn="l" rtl="0" eaLnBrk="1" latinLnBrk="0" hangingPunct="1">
+        <a:defRPr kumimoji="0" kern="1200">
           <a:solidFill>
             <a:schemeClr val="tx1"/>
           </a:solidFill>
@@ -3420,8 +3619,8 @@
           <a:cs typeface="+mn-cs"/>
         </a:defRPr>
       </a:lvl3pPr>
-      <a:lvl4pPr marL="1371600" algn="l" defTabSz="914400" rtl="0" eaLnBrk="1" latinLnBrk="0" hangingPunct="1">
-        <a:defRPr sz="1800" kern="1200">
+      <a:lvl4pPr marL="1371600" algn="l" rtl="0" eaLnBrk="1" latinLnBrk="0" hangingPunct="1">
+        <a:defRPr kumimoji="0" kern="1200">
           <a:solidFill>
             <a:schemeClr val="tx1"/>
           </a:solidFill>
@@ -3430,8 +3629,8 @@
           <a:cs typeface="+mn-cs"/>
         </a:defRPr>
       </a:lvl4pPr>
-      <a:lvl5pPr marL="1828800" algn="l" defTabSz="914400" rtl="0" eaLnBrk="1" latinLnBrk="0" hangingPunct="1">
-        <a:defRPr sz="1800" kern="1200">
+      <a:lvl5pPr marL="1828800" algn="l" rtl="0" eaLnBrk="1" latinLnBrk="0" hangingPunct="1">
+        <a:defRPr kumimoji="0" kern="1200">
           <a:solidFill>
             <a:schemeClr val="tx1"/>
           </a:solidFill>
@@ -3440,8 +3639,8 @@
           <a:cs typeface="+mn-cs"/>
         </a:defRPr>
       </a:lvl5pPr>
-      <a:lvl6pPr marL="2286000" algn="l" defTabSz="914400" rtl="0" eaLnBrk="1" latinLnBrk="0" hangingPunct="1">
-        <a:defRPr sz="1800" kern="1200">
+      <a:lvl6pPr marL="2286000" algn="l" rtl="0" eaLnBrk="1" latinLnBrk="0" hangingPunct="1">
+        <a:defRPr kumimoji="0" kern="1200">
           <a:solidFill>
             <a:schemeClr val="tx1"/>
           </a:solidFill>
@@ -3450,8 +3649,8 @@
           <a:cs typeface="+mn-cs"/>
         </a:defRPr>
       </a:lvl6pPr>
-      <a:lvl7pPr marL="2743200" algn="l" defTabSz="914400" rtl="0" eaLnBrk="1" latinLnBrk="0" hangingPunct="1">
-        <a:defRPr sz="1800" kern="1200">
+      <a:lvl7pPr marL="2743200" algn="l" rtl="0" eaLnBrk="1" latinLnBrk="0" hangingPunct="1">
+        <a:defRPr kumimoji="0" kern="1200">
           <a:solidFill>
             <a:schemeClr val="tx1"/>
           </a:solidFill>
@@ -3460,8 +3659,8 @@
           <a:cs typeface="+mn-cs"/>
         </a:defRPr>
       </a:lvl7pPr>
-      <a:lvl8pPr marL="3200400" algn="l" defTabSz="914400" rtl="0" eaLnBrk="1" latinLnBrk="0" hangingPunct="1">
-        <a:defRPr sz="1800" kern="1200">
+      <a:lvl8pPr marL="3200400" algn="l" rtl="0" eaLnBrk="1" latinLnBrk="0" hangingPunct="1">
+        <a:defRPr kumimoji="0" kern="1200">
           <a:solidFill>
             <a:schemeClr val="tx1"/>
           </a:solidFill>
@@ -3470,8 +3669,8 @@
           <a:cs typeface="+mn-cs"/>
         </a:defRPr>
       </a:lvl8pPr>
-      <a:lvl9pPr marL="3657600" algn="l" defTabSz="914400" rtl="0" eaLnBrk="1" latinLnBrk="0" hangingPunct="1">
-        <a:defRPr sz="1800" kern="1200">
+      <a:lvl9pPr marL="3657600" algn="l" rtl="0" eaLnBrk="1" latinLnBrk="0" hangingPunct="1">
+        <a:defRPr kumimoji="0" kern="1200">
           <a:solidFill>
             <a:schemeClr val="tx1"/>
           </a:solidFill>
@@ -3504,6 +3703,54 @@
       </p:grpSpPr>
       <p:sp>
         <p:nvSpPr>
+          <p:cNvPr id="3" name="Подзаголовок 2"/>
+          <p:cNvSpPr>
+            <a:spLocks noGrp="1"/>
+          </p:cNvSpPr>
+          <p:nvPr>
+            <p:ph type="subTitle" idx="1"/>
+          </p:nvPr>
+        </p:nvSpPr>
+        <p:spPr>
+          <a:xfrm>
+            <a:off x="2000232" y="3643314"/>
+            <a:ext cx="7143768" cy="2928958"/>
+          </a:xfrm>
+        </p:spPr>
+        <p:txBody>
+          <a:bodyPr>
+            <a:normAutofit fontScale="92500"/>
+          </a:bodyPr>
+          <a:lstStyle/>
+          <a:p>
+            <a:r>
+              <a:rPr lang="uk-UA" sz="3600" dirty="0" smtClean="0"/>
+              <a:t>Виконали:     </a:t>
+            </a:r>
+          </a:p>
+          <a:p>
+            <a:r>
+              <a:rPr lang="uk-UA" sz="3600" dirty="0" smtClean="0"/>
+              <a:t>                     Студентки групи АІ-205 </a:t>
+            </a:r>
+          </a:p>
+          <a:p>
+            <a:r>
+              <a:rPr lang="uk-UA" sz="3600" dirty="0" smtClean="0"/>
+              <a:t>                 Чоботар Олександра </a:t>
+            </a:r>
+          </a:p>
+          <a:p>
+            <a:r>
+              <a:rPr lang="uk-UA" sz="3600" dirty="0" smtClean="0"/>
+              <a:t>                  Шаповалова Вікторія</a:t>
+            </a:r>
+            <a:endParaRPr lang="ru-RU" sz="3600" dirty="0"/>
+          </a:p>
+        </p:txBody>
+      </p:sp>
+      <p:sp>
+        <p:nvSpPr>
           <p:cNvPr id="2" name="Заголовок 1"/>
           <p:cNvSpPr>
             <a:spLocks noGrp="1"/>
@@ -3533,61 +3780,13 @@
             </a:br>
             <a:r>
               <a:rPr lang="uk-UA" dirty="0" smtClean="0"/>
-              <a:t>Тема: “</a:t>
+              <a:t>Тема: </a:t>
             </a:r>
             <a:r>
               <a:rPr lang="ru-RU" dirty="0" smtClean="0"/>
               <a:t>«Операційна система механічного обчислювального пристрою»</a:t>
             </a:r>
             <a:endParaRPr lang="ru-RU" dirty="0"/>
-          </a:p>
-        </p:txBody>
-      </p:sp>
-      <p:sp>
-        <p:nvSpPr>
-          <p:cNvPr id="3" name="Подзаголовок 2"/>
-          <p:cNvSpPr>
-            <a:spLocks noGrp="1"/>
-          </p:cNvSpPr>
-          <p:nvPr>
-            <p:ph type="subTitle" idx="1"/>
-          </p:nvPr>
-        </p:nvSpPr>
-        <p:spPr>
-          <a:xfrm>
-            <a:off x="2000232" y="3643314"/>
-            <a:ext cx="7143768" cy="2928958"/>
-          </a:xfrm>
-        </p:spPr>
-        <p:txBody>
-          <a:bodyPr>
-            <a:normAutofit/>
-          </a:bodyPr>
-          <a:lstStyle/>
-          <a:p>
-            <a:r>
-              <a:rPr lang="uk-UA" sz="3600" dirty="0" smtClean="0"/>
-              <a:t>Виконали:     </a:t>
-            </a:r>
-          </a:p>
-          <a:p>
-            <a:r>
-              <a:rPr lang="uk-UA" sz="3600" dirty="0" smtClean="0"/>
-              <a:t>                     Студентки групи АІ-205 </a:t>
-            </a:r>
-          </a:p>
-          <a:p>
-            <a:r>
-              <a:rPr lang="uk-UA" sz="3600" dirty="0" smtClean="0"/>
-              <a:t>                 Чоботар Олександра </a:t>
-            </a:r>
-          </a:p>
-          <a:p>
-            <a:r>
-              <a:rPr lang="uk-UA" sz="3600" dirty="0" smtClean="0"/>
-              <a:t>                  Шаповалова Вікторія</a:t>
-            </a:r>
-            <a:endParaRPr lang="ru-RU" sz="3600" dirty="0"/>
           </a:p>
         </p:txBody>
       </p:sp>
@@ -3618,6 +3817,39 @@
       </p:grpSpPr>
       <p:sp>
         <p:nvSpPr>
+          <p:cNvPr id="3" name="Содержимое 2"/>
+          <p:cNvSpPr>
+            <a:spLocks noGrp="1"/>
+          </p:cNvSpPr>
+          <p:nvPr>
+            <p:ph idx="1"/>
+          </p:nvPr>
+        </p:nvSpPr>
+        <p:spPr/>
+        <p:txBody>
+          <a:bodyPr>
+            <a:normAutofit/>
+          </a:bodyPr>
+          <a:lstStyle/>
+          <a:p>
+            <a:r>
+              <a:rPr lang="uk-UA" dirty="0" smtClean="0"/>
+              <a:t>Бруски </a:t>
+            </a:r>
+            <a:r>
+              <a:rPr lang="uk-UA" dirty="0" err="1" smtClean="0"/>
+              <a:t>Женая-Люка</a:t>
+            </a:r>
+            <a:r>
+              <a:rPr lang="uk-UA" dirty="0" smtClean="0"/>
+              <a:t> можна віднести до ручних інформаційних систем,  тобто всі операції з переробки інформації виконуються людиною. Кожна інформаційна система характеризується чотирма складовими: отримання даних, зберігання даних, обробки даних для їх перекладу в інформацію,передача даних</a:t>
+            </a:r>
+            <a:endParaRPr lang="ru-RU" dirty="0"/>
+          </a:p>
+        </p:txBody>
+      </p:sp>
+      <p:sp>
+        <p:nvSpPr>
           <p:cNvPr id="2" name="Заголовок 1"/>
           <p:cNvSpPr>
             <a:spLocks noGrp="1"/>
@@ -3635,60 +3867,11 @@
           <a:p>
             <a:r>
               <a:rPr lang="uk-UA" dirty="0" err="1" smtClean="0"/>
-              <a:t>Роглянемопристрій</a:t>
+              <a:t>Роглянемо</a:t>
             </a:r>
             <a:r>
               <a:rPr lang="uk-UA" dirty="0" smtClean="0"/>
-              <a:t> як елемент механічної інформаційної системи </a:t>
-            </a:r>
-            <a:endParaRPr lang="ru-RU" dirty="0"/>
-          </a:p>
-        </p:txBody>
-      </p:sp>
-      <p:sp>
-        <p:nvSpPr>
-          <p:cNvPr id="3" name="Содержимое 2"/>
-          <p:cNvSpPr>
-            <a:spLocks noGrp="1"/>
-          </p:cNvSpPr>
-          <p:nvPr>
-            <p:ph idx="1"/>
-          </p:nvPr>
-        </p:nvSpPr>
-        <p:spPr/>
-        <p:txBody>
-          <a:bodyPr>
-            <a:normAutofit/>
-          </a:bodyPr>
-          <a:lstStyle/>
-          <a:p>
-            <a:r>
-              <a:rPr lang="uk-UA" dirty="0" smtClean="0"/>
-              <a:t>Бруски </a:t>
-            </a:r>
-            <a:r>
-              <a:rPr lang="uk-UA" dirty="0" err="1" smtClean="0"/>
-              <a:t>Женая-Люка</a:t>
-            </a:r>
-            <a:r>
-              <a:rPr lang="uk-UA" dirty="0" smtClean="0"/>
-              <a:t> можна віднести до ручних інформаційних систем,  тобто всі операції з переробки інформації виконуються людиною. Кожна інформаційна система характеризується чотирма складовими</a:t>
-            </a:r>
-            <a:r>
-              <a:rPr lang="uk-UA" dirty="0" smtClean="0"/>
-              <a:t>: отримання </a:t>
-            </a:r>
-            <a:r>
-              <a:rPr lang="uk-UA" dirty="0" smtClean="0"/>
-              <a:t>даних, зберігання даних, обробки </a:t>
-            </a:r>
-            <a:r>
-              <a:rPr lang="uk-UA" dirty="0" smtClean="0"/>
-              <a:t>даних для їх перекладу в </a:t>
-            </a:r>
-            <a:r>
-              <a:rPr lang="uk-UA" dirty="0" smtClean="0"/>
-              <a:t>інформацію,передача даних</a:t>
+              <a:t> пристрій як елемент механічної інформаційної системи </a:t>
             </a:r>
             <a:endParaRPr lang="ru-RU" dirty="0"/>
           </a:p>
@@ -3721,29 +3904,6 @@
       </p:grpSpPr>
       <p:sp>
         <p:nvSpPr>
-          <p:cNvPr id="2" name="Заголовок 1"/>
-          <p:cNvSpPr>
-            <a:spLocks noGrp="1"/>
-          </p:cNvSpPr>
-          <p:nvPr>
-            <p:ph type="title"/>
-          </p:nvPr>
-        </p:nvSpPr>
-        <p:spPr/>
-        <p:txBody>
-          <a:bodyPr/>
-          <a:lstStyle/>
-          <a:p>
-            <a:r>
-              <a:rPr lang="uk-UA" dirty="0" smtClean="0"/>
-              <a:t>Що таке бруски Женая-Люка ?</a:t>
-            </a:r>
-            <a:endParaRPr lang="ru-RU" dirty="0"/>
-          </a:p>
-        </p:txBody>
-      </p:sp>
-      <p:sp>
-        <p:nvSpPr>
           <p:cNvPr id="3" name="Содержимое 2"/>
           <p:cNvSpPr>
             <a:spLocks noGrp="1"/>
@@ -3763,6 +3923,29 @@
             <a:r>
               <a:rPr lang="ru-RU" dirty="0" smtClean="0"/>
               <a:t>    Бруски Женая-Люка – це арифметичний інструмент. Пристрій являє собою варіант кісток Непьера. Графічно представляючи перенесення, користувач може зчитувати результати простих завдань множення безпосередньо, без проміжних уявних обчислень.</a:t>
+            </a:r>
+            <a:endParaRPr lang="ru-RU" dirty="0"/>
+          </a:p>
+        </p:txBody>
+      </p:sp>
+      <p:sp>
+        <p:nvSpPr>
+          <p:cNvPr id="2" name="Заголовок 1"/>
+          <p:cNvSpPr>
+            <a:spLocks noGrp="1"/>
+          </p:cNvSpPr>
+          <p:nvPr>
+            <p:ph type="title"/>
+          </p:nvPr>
+        </p:nvSpPr>
+        <p:spPr/>
+        <p:txBody>
+          <a:bodyPr/>
+          <a:lstStyle/>
+          <a:p>
+            <a:r>
+              <a:rPr lang="uk-UA" dirty="0" smtClean="0"/>
+              <a:t>Що таке бруски Женая-Люка ?</a:t>
             </a:r>
             <a:endParaRPr lang="ru-RU" dirty="0"/>
           </a:p>
@@ -3817,15 +4000,7 @@
           <a:p>
             <a:r>
               <a:rPr lang="ru-RU" dirty="0" smtClean="0"/>
-              <a:t>Автор пристрою: Анрі </a:t>
-            </a:r>
-            <a:r>
-              <a:rPr lang="ru-RU" dirty="0" smtClean="0"/>
-              <a:t>Женай</a:t>
-            </a:r>
-            <a:r>
-              <a:rPr lang="ru-RU" dirty="0" smtClean="0"/>
-              <a:t/>
+              <a:t>Автор пристрою: Анрі Женай</a:t>
             </a:r>
             <a:br>
               <a:rPr lang="ru-RU" dirty="0" smtClean="0"/>
@@ -3924,27 +4099,7 @@
           <a:p>
             <a:r>
               <a:rPr lang="ru-RU" sz="2800" dirty="0" smtClean="0"/>
-              <a:t>У 1885 році французький математик Люка </a:t>
-            </a:r>
-            <a:r>
-              <a:rPr lang="ru-RU" sz="2800" dirty="0" smtClean="0"/>
-              <a:t>створив </a:t>
-            </a:r>
-            <a:r>
-              <a:rPr lang="ru-RU" sz="2800" dirty="0" smtClean="0"/>
-              <a:t>арифметичну </a:t>
-            </a:r>
-            <a:r>
-              <a:rPr lang="ru-RU" sz="2800" dirty="0" smtClean="0"/>
-              <a:t>задачу </a:t>
-            </a:r>
-            <a:r>
-              <a:rPr lang="ru-RU" sz="2800" dirty="0" smtClean="0"/>
-              <a:t>під час сесії в </a:t>
-            </a:r>
-            <a:r>
-              <a:rPr lang="ru-RU" sz="2800" dirty="0" smtClean="0"/>
-              <a:t>Французьк</a:t>
+              <a:t>У 1885 році французький математик Люка створив арифметичну задачу під час сесії в Французьк</a:t>
             </a:r>
             <a:r>
               <a:rPr lang="uk-UA" sz="2800" dirty="0" smtClean="0"/>
@@ -3952,27 +4107,7 @@
             </a:r>
             <a:r>
               <a:rPr lang="ru-RU" sz="2800" dirty="0" smtClean="0"/>
-              <a:t> Академії. Женай , </a:t>
-            </a:r>
-            <a:r>
-              <a:rPr lang="ru-RU" sz="2800" dirty="0" smtClean="0"/>
-              <a:t>вже відомий тим, що винайшов ряд арифметичних інструментів, створив свої лінійки в процесі вирішення </a:t>
-            </a:r>
-            <a:r>
-              <a:rPr lang="ru-RU" sz="2800" dirty="0" smtClean="0"/>
-              <a:t>задачі. </a:t>
-            </a:r>
-            <a:r>
-              <a:rPr lang="ru-RU" sz="2800" dirty="0" smtClean="0"/>
-              <a:t>У 1891 році він представив свій винахід в </a:t>
-            </a:r>
-            <a:r>
-              <a:rPr lang="ru-RU" sz="2800" dirty="0" smtClean="0"/>
-              <a:t>Французькій </a:t>
-            </a:r>
-            <a:r>
-              <a:rPr lang="ru-RU" sz="2800" dirty="0" smtClean="0"/>
-              <a:t>Академії. Бруски Женая була широко поширені, але їх популярність була недовговічна, так як обчислювальна машина незабаром почала витісняти ручні арифметичні методи</a:t>
+              <a:t> Академії. Женай , вже відомий тим, що винайшов ряд арифметичних інструментів, створив свої лінійки в процесі вирішення задачі. У 1891 році він представив свій винахід в Французькій Академії. Бруски Женая була широко поширені, але їх популярність була недовговічна, так як обчислювальна машина незабаром почала витісняти ручні арифметичні методи</a:t>
             </a:r>
             <a:endParaRPr lang="ru-RU" sz="2800" dirty="0"/>
           </a:p>
@@ -4443,11 +4578,7 @@
           <a:p>
             <a:r>
               <a:rPr lang="ru-RU" dirty="0" smtClean="0"/>
-              <a:t>Розташуємо п'ять лінійок, по одній на кожну цифру числа 52749, поруч один з одним і поряд з головною лінійкою «</a:t>
-            </a:r>
-            <a:r>
-              <a:rPr lang="ru-RU" dirty="0" smtClean="0"/>
-              <a:t>Index»</a:t>
+              <a:t>Розташуємо п'ять лінійок, по одній на кожну цифру числа 52749, поруч один з одним і поряд з головною лінійкою «Index»</a:t>
             </a:r>
             <a:r>
               <a:rPr lang="en-US" dirty="0" smtClean="0"/>
@@ -4455,15 +4586,7 @@
             </a:r>
             <a:r>
               <a:rPr lang="ru-RU" dirty="0" smtClean="0"/>
-              <a:t>Другий </a:t>
-            </a:r>
-            <a:r>
-              <a:rPr lang="ru-RU" dirty="0" smtClean="0"/>
-              <a:t>множник дорівнює 4, тому ми дивимося на четвертий </a:t>
-            </a:r>
-            <a:r>
-              <a:rPr lang="ru-RU" dirty="0" smtClean="0"/>
-              <a:t>рядок</a:t>
+              <a:t>Другий множник дорівнює 4, тому ми дивимося на четвертий рядок</a:t>
             </a:r>
             <a:r>
               <a:rPr lang="en-US" dirty="0" smtClean="0"/>
@@ -4471,15 +4594,7 @@
             </a:r>
             <a:r>
               <a:rPr lang="ru-RU" dirty="0" smtClean="0"/>
-              <a:t>Ми </a:t>
-            </a:r>
-            <a:r>
-              <a:rPr lang="ru-RU" dirty="0" smtClean="0"/>
-              <a:t>починаємо з верхнього номера в останньому стовпчику вибраного </a:t>
-            </a:r>
-            <a:r>
-              <a:rPr lang="ru-RU" dirty="0" smtClean="0"/>
-              <a:t>рядка</a:t>
+              <a:t>Ми починаємо з верхнього номера в останньому стовпчику вибраного рядка</a:t>
             </a:r>
             <a:r>
               <a:rPr lang="en-US" dirty="0" smtClean="0"/>
@@ -4487,15 +4602,7 @@
             </a:r>
             <a:r>
               <a:rPr lang="ru-RU" dirty="0" smtClean="0"/>
-              <a:t>Сірий </a:t>
-            </a:r>
-            <a:r>
-              <a:rPr lang="ru-RU" dirty="0" smtClean="0"/>
-              <a:t>трикутник вказує шлях до наступного </a:t>
-            </a:r>
-            <a:r>
-              <a:rPr lang="ru-RU" dirty="0" smtClean="0"/>
-              <a:t>номеру</a:t>
+              <a:t>Сірий трикутник вказує шлях до наступного номеру</a:t>
             </a:r>
             <a:r>
               <a:rPr lang="en-US" dirty="0" smtClean="0"/>
@@ -4503,27 +4610,7 @@
             </a:r>
             <a:r>
               <a:rPr lang="ru-RU" dirty="0" smtClean="0"/>
-              <a:t>Ми </a:t>
-            </a:r>
-            <a:r>
-              <a:rPr lang="ru-RU" dirty="0" smtClean="0"/>
-              <a:t>слідуємо трикутниках справа наліво, поки не дійдемо до першого стовпчика.Потім ми просто читаємо цифри, які ми відвідали. </a:t>
-            </a:r>
-            <a:r>
-              <a:rPr lang="ru-RU" dirty="0" smtClean="0"/>
-              <a:t>показане </a:t>
-            </a:r>
-            <a:r>
-              <a:rPr lang="ru-RU" dirty="0" smtClean="0"/>
-              <a:t>червоним кольором, </a:t>
-            </a:r>
-            <a:r>
-              <a:rPr lang="ru-RU" dirty="0" smtClean="0"/>
-              <a:t> </a:t>
-            </a:r>
-            <a:r>
-              <a:rPr lang="ru-RU" dirty="0" smtClean="0"/>
-              <a:t>210 996.</a:t>
+              <a:t>Ми слідуємо трикутниках справа наліво, поки не дійдемо до першого стовпчика.Потім ми просто читаємо цифри, які ми відвідали. показане червоним кольором,  210 996.</a:t>
             </a:r>
             <a:endParaRPr lang="ru-RU" dirty="0"/>
           </a:p>
@@ -4564,9 +4651,9 @@
 </file>
 
 <file path=ppt/theme/theme1.xml><?xml version="1.0" encoding="utf-8"?>
-<a:theme xmlns:a="http://schemas.openxmlformats.org/drawingml/2006/main" name="Тема Office">
+<a:theme xmlns:a="http://schemas.openxmlformats.org/drawingml/2006/main" name="Бумажная">
   <a:themeElements>
-    <a:clrScheme name="Стандартная">
+    <a:clrScheme name="Бумажная">
       <a:dk1>
         <a:sysClr val="windowText" lastClr="000000"/>
       </a:dk1>
@@ -4574,48 +4661,48 @@
         <a:sysClr val="window" lastClr="FFFFFF"/>
       </a:lt1>
       <a:dk2>
-        <a:srgbClr val="1F497D"/>
+        <a:srgbClr val="444D26"/>
       </a:dk2>
       <a:lt2>
-        <a:srgbClr val="EEECE1"/>
+        <a:srgbClr val="FEFAC9"/>
       </a:lt2>
       <a:accent1>
-        <a:srgbClr val="4F81BD"/>
+        <a:srgbClr val="A5B592"/>
       </a:accent1>
       <a:accent2>
-        <a:srgbClr val="C0504D"/>
+        <a:srgbClr val="F3A447"/>
       </a:accent2>
       <a:accent3>
-        <a:srgbClr val="9BBB59"/>
+        <a:srgbClr val="E7BC29"/>
       </a:accent3>
       <a:accent4>
-        <a:srgbClr val="8064A2"/>
+        <a:srgbClr val="D092A7"/>
       </a:accent4>
       <a:accent5>
-        <a:srgbClr val="4BACC6"/>
+        <a:srgbClr val="9C85C0"/>
       </a:accent5>
       <a:accent6>
-        <a:srgbClr val="F79646"/>
+        <a:srgbClr val="809EC2"/>
       </a:accent6>
       <a:hlink>
-        <a:srgbClr val="0000FF"/>
+        <a:srgbClr val="8E58B6"/>
       </a:hlink>
       <a:folHlink>
-        <a:srgbClr val="800080"/>
+        <a:srgbClr val="7F6F6F"/>
       </a:folHlink>
     </a:clrScheme>
-    <a:fontScheme name="Стандартная">
+    <a:fontScheme name="Бумажная">
       <a:majorFont>
-        <a:latin typeface="Calibri"/>
+        <a:latin typeface="Constantia"/>
         <a:ea typeface=""/>
         <a:cs typeface=""/>
-        <a:font script="Jpan" typeface="ＭＳ Ｐゴシック"/>
-        <a:font script="Hang" typeface="맑은 고딕"/>
-        <a:font script="Hans" typeface="宋体"/>
-        <a:font script="Hant" typeface="新細明體"/>
+        <a:font script="Jpan" typeface="HG明朝E"/>
+        <a:font script="Hang" typeface="궁서"/>
+        <a:font script="Hans" typeface="华文新魏"/>
+        <a:font script="Hant" typeface="標楷體"/>
         <a:font script="Arab" typeface="Times New Roman"/>
         <a:font script="Hebr" typeface="Times New Roman"/>
-        <a:font script="Thai" typeface="Angsana New"/>
+        <a:font script="Thai" typeface="Browallia New"/>
         <a:font script="Ethi" typeface="Nyala"/>
         <a:font script="Beng" typeface="Vrinda"/>
         <a:font script="Gujr" typeface="Shruti"/>
@@ -4640,20 +4727,20 @@
         <a:font script="Uigh" typeface="Microsoft Uighur"/>
       </a:majorFont>
       <a:minorFont>
-        <a:latin typeface="Calibri"/>
+        <a:latin typeface="Constantia"/>
         <a:ea typeface=""/>
         <a:cs typeface=""/>
-        <a:font script="Jpan" typeface="ＭＳ Ｐゴシック"/>
-        <a:font script="Hang" typeface="맑은 고딕"/>
-        <a:font script="Hans" typeface="宋体"/>
-        <a:font script="Hant" typeface="新細明體"/>
-        <a:font script="Arab" typeface="Arial"/>
-        <a:font script="Hebr" typeface="Arial"/>
-        <a:font script="Thai" typeface="Cordia New"/>
+        <a:font script="Jpan" typeface="HG明朝E"/>
+        <a:font script="Hang" typeface="궁서"/>
+        <a:font script="Hans" typeface="华文新魏"/>
+        <a:font script="Hant" typeface="標楷體"/>
+        <a:font script="Arab" typeface="Times New Roman"/>
+        <a:font script="Hebr" typeface="Times New Roman"/>
+        <a:font script="Thai" typeface="Browallia New"/>
         <a:font script="Ethi" typeface="Nyala"/>
         <a:font script="Beng" typeface="Vrinda"/>
         <a:font script="Gujr" typeface="Shruti"/>
-        <a:font script="Khmr" typeface="DaunPenh"/>
+        <a:font script="Khmr" typeface="MoolBoran"/>
         <a:font script="Knda" typeface="Tunga"/>
         <a:font script="Guru" typeface="Raavi"/>
         <a:font script="Cans" typeface="Euphemia"/>
@@ -4670,73 +4757,46 @@
         <a:font script="Laoo" typeface="DokChampa"/>
         <a:font script="Sinh" typeface="Iskoola Pota"/>
         <a:font script="Mong" typeface="Mongolian Baiti"/>
-        <a:font script="Viet" typeface="Arial"/>
+        <a:font script="Viet" typeface="Times New Roman"/>
         <a:font script="Uigh" typeface="Microsoft Uighur"/>
       </a:minorFont>
     </a:fontScheme>
-    <a:fmtScheme name="Стандартная">
+    <a:fmtScheme name="Бумажная">
       <a:fillStyleLst>
         <a:solidFill>
           <a:schemeClr val="phClr"/>
         </a:solidFill>
-        <a:gradFill rotWithShape="1">
-          <a:gsLst>
-            <a:gs pos="0">
+        <a:blipFill>
+          <a:blip xmlns:r="http://schemas.openxmlformats.org/officeDocument/2006/relationships" r:embed="rId1">
+            <a:duotone>
               <a:schemeClr val="phClr">
-                <a:tint val="50000"/>
-                <a:satMod val="300000"/>
+                <a:shade val="63000"/>
+                <a:tint val="82000"/>
               </a:schemeClr>
-            </a:gs>
-            <a:gs pos="35000">
               <a:schemeClr val="phClr">
-                <a:tint val="37000"/>
-                <a:satMod val="300000"/>
+                <a:tint val="10000"/>
+                <a:satMod val="400000"/>
               </a:schemeClr>
-            </a:gs>
-            <a:gs pos="100000">
+            </a:duotone>
+          </a:blip>
+          <a:tile tx="0" ty="0" sx="40000" sy="40000" flip="none" algn="tl"/>
+        </a:blipFill>
+        <a:blipFill>
+          <a:blip xmlns:r="http://schemas.openxmlformats.org/officeDocument/2006/relationships" r:embed="rId1">
+            <a:duotone>
               <a:schemeClr val="phClr">
-                <a:tint val="15000"/>
-                <a:satMod val="350000"/>
+                <a:shade val="40000"/>
               </a:schemeClr>
-            </a:gs>
-          </a:gsLst>
-          <a:lin ang="16200000" scaled="1"/>
-        </a:gradFill>
-        <a:gradFill rotWithShape="1">
-          <a:gsLst>
-            <a:gs pos="0">
               <a:schemeClr val="phClr">
-                <a:shade val="51000"/>
-                <a:satMod val="130000"/>
+                <a:tint val="42000"/>
               </a:schemeClr>
-            </a:gs>
-            <a:gs pos="80000">
-              <a:schemeClr val="phClr">
-                <a:shade val="93000"/>
-                <a:satMod val="130000"/>
-              </a:schemeClr>
-            </a:gs>
-            <a:gs pos="100000">
-              <a:schemeClr val="phClr">
-                <a:shade val="94000"/>
-                <a:satMod val="135000"/>
-              </a:schemeClr>
-            </a:gs>
-          </a:gsLst>
-          <a:lin ang="16200000" scaled="0"/>
-        </a:gradFill>
+            </a:duotone>
+          </a:blip>
+          <a:tile tx="0" ty="0" sx="40000" sy="40000" flip="none" algn="tl"/>
+        </a:blipFill>
       </a:fillStyleLst>
       <a:lnStyleLst>
-        <a:ln w="9525" cap="flat" cmpd="sng" algn="ctr">
-          <a:solidFill>
-            <a:schemeClr val="phClr">
-              <a:shade val="95000"/>
-              <a:satMod val="105000"/>
-            </a:schemeClr>
-          </a:solidFill>
-          <a:prstDash val="solid"/>
-        </a:ln>
-        <a:ln w="25400" cap="flat" cmpd="sng" algn="ctr">
+        <a:ln w="12700" cap="flat" cmpd="sng" algn="ctr">
           <a:solidFill>
             <a:schemeClr val="phClr"/>
           </a:solidFill>
@@ -4748,44 +4808,50 @@
           </a:solidFill>
           <a:prstDash val="solid"/>
         </a:ln>
+        <a:ln w="63500" cap="flat" cmpd="sng" algn="ctr">
+          <a:solidFill>
+            <a:schemeClr val="phClr"/>
+          </a:solidFill>
+          <a:prstDash val="solid"/>
+        </a:ln>
       </a:lnStyleLst>
       <a:effectStyleLst>
         <a:effectStyle>
           <a:effectLst>
-            <a:outerShdw blurRad="40000" dist="20000" dir="5400000" rotWithShape="0">
+            <a:outerShdw blurRad="95000" rotWithShape="0">
               <a:srgbClr val="000000">
-                <a:alpha val="38000"/>
+                <a:alpha val="50000"/>
               </a:srgbClr>
             </a:outerShdw>
+            <a:softEdge rad="12700"/>
           </a:effectLst>
         </a:effectStyle>
         <a:effectStyle>
           <a:effectLst>
-            <a:outerShdw blurRad="40000" dist="23000" dir="5400000" rotWithShape="0">
+            <a:outerShdw blurRad="95000" rotWithShape="0">
               <a:srgbClr val="000000">
-                <a:alpha val="35000"/>
+                <a:alpha val="50000"/>
               </a:srgbClr>
             </a:outerShdw>
+            <a:softEdge rad="12700"/>
           </a:effectLst>
         </a:effectStyle>
         <a:effectStyle>
           <a:effectLst>
-            <a:outerShdw blurRad="40000" dist="23000" dir="5400000" rotWithShape="0">
+            <a:outerShdw blurRad="95000" algn="tl" rotWithShape="0">
               <a:srgbClr val="000000">
-                <a:alpha val="35000"/>
+                <a:alpha val="50000"/>
               </a:srgbClr>
             </a:outerShdw>
           </a:effectLst>
           <a:scene3d>
-            <a:camera prst="orthographicFront">
-              <a:rot lat="0" lon="0" rev="0"/>
-            </a:camera>
-            <a:lightRig rig="threePt" dir="t">
-              <a:rot lat="0" lon="0" rev="1200000"/>
+            <a:camera prst="orthographicFront"/>
+            <a:lightRig rig="soft" dir="t">
+              <a:rot lat="0" lon="0" rev="18000000"/>
             </a:lightRig>
           </a:scene3d>
-          <a:sp3d>
-            <a:bevelT w="63500" h="25400"/>
+          <a:sp3d prstMaterial="dkEdge">
+            <a:bevelT w="73660" h="44450" prst="riblet"/>
           </a:sp3d>
         </a:effectStyle>
       </a:effectStyleLst>
@@ -4793,51 +4859,39 @@
         <a:solidFill>
           <a:schemeClr val="phClr"/>
         </a:solidFill>
-        <a:gradFill rotWithShape="1">
-          <a:gsLst>
-            <a:gs pos="0">
+        <a:blipFill>
+          <a:blip xmlns:r="http://schemas.openxmlformats.org/officeDocument/2006/relationships" r:embed="rId1">
+            <a:duotone>
+              <a:schemeClr val="phClr">
+                <a:shade val="55000"/>
+                <a:alpha val="20000"/>
+              </a:schemeClr>
               <a:schemeClr val="phClr">
                 <a:tint val="40000"/>
-                <a:satMod val="350000"/>
+                <a:shade val="90000"/>
+                <a:satMod val="60000"/>
+                <a:alpha val="20000"/>
               </a:schemeClr>
-            </a:gs>
-            <a:gs pos="40000">
+            </a:duotone>
+          </a:blip>
+          <a:tile tx="0" ty="0" sx="58000" sy="38000" flip="none" algn="tl"/>
+        </a:blipFill>
+        <a:blipFill>
+          <a:blip xmlns:r="http://schemas.openxmlformats.org/officeDocument/2006/relationships" r:embed="rId2">
+            <a:duotone>
               <a:schemeClr val="phClr">
-                <a:tint val="45000"/>
-                <a:shade val="99000"/>
-                <a:satMod val="350000"/>
+                <a:shade val="12000"/>
+                <a:satMod val="240000"/>
               </a:schemeClr>
-            </a:gs>
-            <a:gs pos="100000">
               <a:schemeClr val="phClr">
-                <a:shade val="20000"/>
-                <a:satMod val="255000"/>
+                <a:tint val="65000"/>
               </a:schemeClr>
-            </a:gs>
-          </a:gsLst>
-          <a:path path="circle">
-            <a:fillToRect l="50000" t="-80000" r="50000" b="180000"/>
-          </a:path>
-        </a:gradFill>
-        <a:gradFill rotWithShape="1">
-          <a:gsLst>
-            <a:gs pos="0">
-              <a:schemeClr val="phClr">
-                <a:tint val="80000"/>
-                <a:satMod val="300000"/>
-              </a:schemeClr>
-            </a:gs>
-            <a:gs pos="100000">
-              <a:schemeClr val="phClr">
-                <a:shade val="30000"/>
-                <a:satMod val="200000"/>
-              </a:schemeClr>
-            </a:gs>
-          </a:gsLst>
-          <a:path path="circle">
-            <a:fillToRect l="50000" t="50000" r="50000" b="50000"/>
-          </a:path>
-        </a:gradFill>
+            </a:duotone>
+          </a:blip>
+          <a:stretch>
+            <a:fillRect/>
+          </a:stretch>
+        </a:blipFill>
       </a:bgFillStyleLst>
     </a:fmtScheme>
   </a:themeElements>
